--- a/Week 24 Red vs Blue/Incident-Response_Group presentation.pptx
+++ b/Week 24 Red vs Blue/Incident-Response_Group presentation.pptx
@@ -1018,7 +1018,7 @@
   <p:cSld>
     <p:spTree>
       <p:nvGrpSpPr>
-        <p:cNvPr id="169" name="Shape 169"/>
+        <p:cNvPr id="170" name="Shape 170"/>
         <p:cNvGrpSpPr/>
         <p:nvPr/>
       </p:nvGrpSpPr>
@@ -1032,7 +1032,7 @@
       </p:grpSpPr>
       <p:sp>
         <p:nvSpPr>
-          <p:cNvPr id="170" name="Google Shape;170;g74583ae16f_2_0:notes"/>
+          <p:cNvPr id="171" name="Google Shape;171;g74583ae16f_2_0:notes"/>
           <p:cNvSpPr/>
           <p:nvPr>
             <p:ph idx="2" type="sldImg"/>
@@ -1067,7 +1067,7 @@
       </p:sp>
       <p:sp>
         <p:nvSpPr>
-          <p:cNvPr id="171" name="Google Shape;171;g74583ae16f_2_0:notes"/>
+          <p:cNvPr id="172" name="Google Shape;172;g74583ae16f_2_0:notes"/>
           <p:cNvSpPr txBox="1"/>
           <p:nvPr>
             <p:ph idx="1" type="body"/>
@@ -1117,7 +1117,7 @@
   <p:cSld>
     <p:spTree>
       <p:nvGrpSpPr>
-        <p:cNvPr id="175" name="Shape 175"/>
+        <p:cNvPr id="177" name="Shape 177"/>
         <p:cNvGrpSpPr/>
         <p:nvPr/>
       </p:nvGrpSpPr>
@@ -1131,7 +1131,7 @@
       </p:grpSpPr>
       <p:sp>
         <p:nvSpPr>
-          <p:cNvPr id="176" name="Google Shape;176;g74583ae16f_2_5:notes"/>
+          <p:cNvPr id="178" name="Google Shape;178;g74583ae16f_2_5:notes"/>
           <p:cNvSpPr/>
           <p:nvPr>
             <p:ph idx="2" type="sldImg"/>
@@ -1166,7 +1166,7 @@
       </p:sp>
       <p:sp>
         <p:nvSpPr>
-          <p:cNvPr id="177" name="Google Shape;177;g74583ae16f_2_5:notes"/>
+          <p:cNvPr id="179" name="Google Shape;179;g74583ae16f_2_5:notes"/>
           <p:cNvSpPr txBox="1"/>
           <p:nvPr>
             <p:ph idx="1" type="body"/>
@@ -1216,7 +1216,7 @@
   <p:cSld>
     <p:spTree>
       <p:nvGrpSpPr>
-        <p:cNvPr id="181" name="Shape 181"/>
+        <p:cNvPr id="184" name="Shape 184"/>
         <p:cNvGrpSpPr/>
         <p:nvPr/>
       </p:nvGrpSpPr>
@@ -1230,7 +1230,7 @@
       </p:grpSpPr>
       <p:sp>
         <p:nvSpPr>
-          <p:cNvPr id="182" name="Google Shape;182;g74583ae16f_4_0:notes"/>
+          <p:cNvPr id="185" name="Google Shape;185;g74583ae16f_4_0:notes"/>
           <p:cNvSpPr/>
           <p:nvPr>
             <p:ph idx="2" type="sldImg"/>
@@ -1265,7 +1265,7 @@
       </p:sp>
       <p:sp>
         <p:nvSpPr>
-          <p:cNvPr id="183" name="Google Shape;183;g74583ae16f_4_0:notes"/>
+          <p:cNvPr id="186" name="Google Shape;186;g74583ae16f_4_0:notes"/>
           <p:cNvSpPr txBox="1"/>
           <p:nvPr>
             <p:ph idx="1" type="body"/>
@@ -1315,7 +1315,7 @@
   <p:cSld>
     <p:spTree>
       <p:nvGrpSpPr>
-        <p:cNvPr id="188" name="Shape 188"/>
+        <p:cNvPr id="191" name="Shape 191"/>
         <p:cNvGrpSpPr/>
         <p:nvPr/>
       </p:nvGrpSpPr>
@@ -1329,7 +1329,7 @@
       </p:grpSpPr>
       <p:sp>
         <p:nvSpPr>
-          <p:cNvPr id="189" name="Google Shape;189;g74600e975f_5_1:notes"/>
+          <p:cNvPr id="192" name="Google Shape;192;g74600e975f_5_1:notes"/>
           <p:cNvSpPr/>
           <p:nvPr>
             <p:ph idx="2" type="sldImg"/>
@@ -1364,7 +1364,7 @@
       </p:sp>
       <p:sp>
         <p:nvSpPr>
-          <p:cNvPr id="190" name="Google Shape;190;g74600e975f_5_1:notes"/>
+          <p:cNvPr id="193" name="Google Shape;193;g74600e975f_5_1:notes"/>
           <p:cNvSpPr txBox="1"/>
           <p:nvPr>
             <p:ph idx="1" type="body"/>
@@ -9041,89 +9041,6 @@
   <p:clrMapOvr>
     <a:masterClrMapping/>
   </p:clrMapOvr>
-  <p:timing>
-    <p:tnLst>
-      <p:par>
-        <p:cTn dur="indefinite" nodeType="tmRoot" restart="never">
-          <p:childTnLst>
-            <p:seq concurrent="1" nextAc="seek">
-              <p:cTn dur="indefinite" id="2" nodeType="mainSeq">
-                <p:childTnLst>
-                  <p:par>
-                    <p:cTn fill="hold">
-                      <p:stCondLst>
-                        <p:cond delay="indefinite"/>
-                      </p:stCondLst>
-                      <p:childTnLst>
-                        <p:par>
-                          <p:cTn fill="hold">
-                            <p:stCondLst>
-                              <p:cond delay="0"/>
-                            </p:stCondLst>
-                            <p:childTnLst>
-                              <p:par>
-                                <p:cTn fill="hold" nodeType="clickEffect" presetClass="entr" presetID="10" presetSubtype="0">
-                                  <p:stCondLst>
-                                    <p:cond delay="0"/>
-                                  </p:stCondLst>
-                                  <p:childTnLst>
-                                    <p:set>
-                                      <p:cBhvr>
-                                        <p:cTn dur="1" fill="hold">
-                                          <p:stCondLst>
-                                            <p:cond delay="0"/>
-                                          </p:stCondLst>
-                                        </p:cTn>
-                                        <p:tgtEl>
-                                          <p:spTgt spid="85"/>
-                                        </p:tgtEl>
-                                        <p:attrNameLst>
-                                          <p:attrName>style.visibility</p:attrName>
-                                        </p:attrNameLst>
-                                      </p:cBhvr>
-                                      <p:to>
-                                        <p:strVal val="visible"/>
-                                      </p:to>
-                                    </p:set>
-                                    <p:animEffect filter="fade" transition="in">
-                                      <p:cBhvr>
-                                        <p:cTn dur="1000"/>
-                                        <p:tgtEl>
-                                          <p:spTgt spid="85"/>
-                                        </p:tgtEl>
-                                      </p:cBhvr>
-                                    </p:animEffect>
-                                  </p:childTnLst>
-                                </p:cTn>
-                              </p:par>
-                            </p:childTnLst>
-                          </p:cTn>
-                        </p:par>
-                      </p:childTnLst>
-                    </p:cTn>
-                  </p:par>
-                </p:childTnLst>
-              </p:cTn>
-              <p:prevCondLst>
-                <p:cond evt="onPrev">
-                  <p:tgtEl>
-                    <p:sldTgt/>
-                  </p:tgtEl>
-                </p:cond>
-              </p:prevCondLst>
-              <p:nextCondLst>
-                <p:cond evt="onNext">
-                  <p:tgtEl>
-                    <p:sldTgt/>
-                  </p:tgtEl>
-                </p:cond>
-              </p:nextCondLst>
-            </p:seq>
-          </p:childTnLst>
-        </p:cTn>
-      </p:par>
-    </p:tnLst>
-  </p:timing>
 </p:sld>
 </file>
 
@@ -9610,8 +9527,8 @@
         </p:nvSpPr>
         <p:spPr>
           <a:xfrm>
-            <a:off x="311700" y="130300"/>
-            <a:ext cx="8520600" cy="711600"/>
+            <a:off x="311700" y="0"/>
+            <a:ext cx="8520600" cy="679500"/>
           </a:xfrm>
           <a:prstGeom prst="rect">
             <a:avLst/>
@@ -9661,8 +9578,8 @@
         </p:nvSpPr>
         <p:spPr>
           <a:xfrm>
-            <a:off x="311700" y="916800"/>
-            <a:ext cx="8520600" cy="3920100"/>
+            <a:off x="311700" y="679500"/>
+            <a:ext cx="8520600" cy="4157400"/>
           </a:xfrm>
           <a:prstGeom prst="rect">
             <a:avLst/>
@@ -9684,7 +9601,7 @@
               <a:buNone/>
             </a:pPr>
             <a:r>
-              <a:rPr lang="en" sz="1750">
+              <a:rPr b="1" lang="en" sz="1400">
                 <a:solidFill>
                   <a:srgbClr val="1D1C1D"/>
                 </a:solidFill>
@@ -9696,10 +9613,10 @@
                 <a:cs typeface="Arial"/>
                 <a:sym typeface="Arial"/>
               </a:rPr>
-              <a:t>H</a:t>
-            </a:r>
-            <a:r>
-              <a:rPr lang="en" sz="1200">
+              <a:t>How would you protect your servers from these attacks? </a:t>
+            </a:r>
+            <a:r>
+              <a:rPr b="1" lang="en" sz="1200">
                 <a:solidFill>
                   <a:srgbClr val="1D1C1D"/>
                 </a:solidFill>
@@ -9711,10 +9628,38 @@
                 <a:cs typeface="Arial"/>
                 <a:sym typeface="Arial"/>
               </a:rPr>
-              <a:t>ow would you protect your servers from these attacks?  By understanding the kinds of attacks your agency just was exposed by, we will implement the following steps to block brute force attacks, password hash cracking </a:t>
-            </a:r>
-            <a:r>
-              <a:rPr lang="en" sz="1200">
+              <a:t> </a:t>
+            </a:r>
+            <a:endParaRPr b="1" sz="1200">
+              <a:solidFill>
+                <a:srgbClr val="1D1C1D"/>
+              </a:solidFill>
+              <a:highlight>
+                <a:srgbClr val="FFFFFF"/>
+              </a:highlight>
+              <a:latin typeface="Arial"/>
+              <a:ea typeface="Arial"/>
+              <a:cs typeface="Arial"/>
+              <a:sym typeface="Arial"/>
+            </a:endParaRPr>
+          </a:p>
+          <a:p>
+            <a:pPr indent="-304800" lvl="0" marL="457200" rtl="0" algn="l">
+              <a:spcBef>
+                <a:spcPts val="1600"/>
+              </a:spcBef>
+              <a:spcAft>
+                <a:spcPts val="0"/>
+              </a:spcAft>
+              <a:buClr>
+                <a:srgbClr val="1D1C1D"/>
+              </a:buClr>
+              <a:buSzPts val="1200"/>
+              <a:buFont typeface="Arial"/>
+              <a:buAutoNum type="arabicPeriod"/>
+            </a:pPr>
+            <a:r>
+              <a:rPr b="1" lang="en" sz="1200">
                 <a:solidFill>
                   <a:srgbClr val="1D1C1D"/>
                 </a:solidFill>
@@ -9726,7 +9671,7 @@
                 <a:cs typeface="Arial"/>
                 <a:sym typeface="Arial"/>
               </a:rPr>
-              <a:t>and</a:t>
+              <a:t>Detect and ascertain the source (IDS):</a:t>
             </a:r>
             <a:r>
               <a:rPr lang="en" sz="1200">
@@ -9741,7 +9686,136 @@
                 <a:cs typeface="Arial"/>
                 <a:sym typeface="Arial"/>
               </a:rPr>
-              <a:t> preventing shell upload vulnerabilities in PHP  to strengthen your security features.</a:t>
+              <a:t> </a:t>
+            </a:r>
+            <a:endParaRPr sz="1200">
+              <a:solidFill>
+                <a:srgbClr val="1D1C1D"/>
+              </a:solidFill>
+              <a:highlight>
+                <a:srgbClr val="FFFFFF"/>
+              </a:highlight>
+              <a:latin typeface="Arial"/>
+              <a:ea typeface="Arial"/>
+              <a:cs typeface="Arial"/>
+              <a:sym typeface="Arial"/>
+            </a:endParaRPr>
+          </a:p>
+          <a:p>
+            <a:pPr indent="-304800" lvl="1" marL="914400" rtl="0" algn="l">
+              <a:spcBef>
+                <a:spcPts val="0"/>
+              </a:spcBef>
+              <a:spcAft>
+                <a:spcPts val="0"/>
+              </a:spcAft>
+              <a:buClr>
+                <a:srgbClr val="1D1C1D"/>
+              </a:buClr>
+              <a:buSzPts val="1200"/>
+              <a:buFont typeface="Arial"/>
+              <a:buAutoNum type="alphaLcPeriod"/>
+            </a:pPr>
+            <a:r>
+              <a:rPr lang="en" sz="1200">
+                <a:solidFill>
+                  <a:srgbClr val="1D1C1D"/>
+                </a:solidFill>
+                <a:highlight>
+                  <a:srgbClr val="FFFFFF"/>
+                </a:highlight>
+                <a:latin typeface="Arial"/>
+                <a:ea typeface="Arial"/>
+                <a:cs typeface="Arial"/>
+                <a:sym typeface="Arial"/>
+              </a:rPr>
+              <a:t>Ensure security indicators are monitored by:</a:t>
+            </a:r>
+            <a:endParaRPr sz="1200">
+              <a:solidFill>
+                <a:srgbClr val="1D1C1D"/>
+              </a:solidFill>
+              <a:highlight>
+                <a:srgbClr val="FFFFFF"/>
+              </a:highlight>
+              <a:latin typeface="Arial"/>
+              <a:ea typeface="Arial"/>
+              <a:cs typeface="Arial"/>
+              <a:sym typeface="Arial"/>
+            </a:endParaRPr>
+          </a:p>
+          <a:p>
+            <a:pPr indent="-304800" lvl="2" marL="1371600" rtl="0" algn="l">
+              <a:spcBef>
+                <a:spcPts val="0"/>
+              </a:spcBef>
+              <a:spcAft>
+                <a:spcPts val="0"/>
+              </a:spcAft>
+              <a:buClr>
+                <a:srgbClr val="1D1C1D"/>
+              </a:buClr>
+              <a:buSzPts val="1200"/>
+              <a:buFont typeface="Arial"/>
+              <a:buAutoNum type="romanLcPeriod"/>
+            </a:pPr>
+            <a:r>
+              <a:rPr lang="en" sz="1200">
+                <a:solidFill>
+                  <a:srgbClr val="1D1C1D"/>
+                </a:solidFill>
+                <a:highlight>
+                  <a:srgbClr val="FFFFFF"/>
+                </a:highlight>
+                <a:latin typeface="Arial"/>
+                <a:ea typeface="Arial"/>
+                <a:cs typeface="Arial"/>
+                <a:sym typeface="Arial"/>
+              </a:rPr>
+              <a:t>Investigating reports of incidents from administrators, staff, and users</a:t>
+            </a:r>
+            <a:endParaRPr sz="1200">
+              <a:solidFill>
+                <a:srgbClr val="1D1C1D"/>
+              </a:solidFill>
+              <a:highlight>
+                <a:srgbClr val="FFFFFF"/>
+              </a:highlight>
+              <a:latin typeface="Arial"/>
+              <a:ea typeface="Arial"/>
+              <a:cs typeface="Arial"/>
+              <a:sym typeface="Arial"/>
+            </a:endParaRPr>
+          </a:p>
+          <a:p>
+            <a:pPr indent="-304800" lvl="2" marL="1371600" rtl="0" algn="l">
+              <a:spcBef>
+                <a:spcPts val="0"/>
+              </a:spcBef>
+              <a:spcAft>
+                <a:spcPts val="0"/>
+              </a:spcAft>
+              <a:buClr>
+                <a:srgbClr val="1D1C1D"/>
+              </a:buClr>
+              <a:buSzPts val="1200"/>
+              <a:buFont typeface="Arial"/>
+              <a:buAutoNum type="romanLcPeriod"/>
+            </a:pPr>
+            <a:r>
+              <a:rPr lang="en" sz="1200">
+                <a:solidFill>
+                  <a:srgbClr val="1D1C1D"/>
+                </a:solidFill>
+                <a:highlight>
+                  <a:srgbClr val="FFFFFF"/>
+                </a:highlight>
+                <a:latin typeface="Arial"/>
+                <a:ea typeface="Arial"/>
+                <a:cs typeface="Arial"/>
+                <a:sym typeface="Arial"/>
+              </a:rPr>
+              <a:t>Regularly scheduled checks of the security product generating alerts based on analysis of log data</a:t>
             </a:r>
             <a:endParaRPr sz="1200">
               <a:solidFill>
@@ -9759,7 +9833,7 @@
           <a:p>
             <a:pPr indent="-304800" lvl="0" marL="457200" rtl="0" algn="l">
               <a:spcBef>
-                <a:spcPts val="1600"/>
+                <a:spcPts val="0"/>
               </a:spcBef>
               <a:spcAft>
                 <a:spcPts val="0"/>
@@ -9784,8 +9858,36 @@
                 <a:cs typeface="Arial"/>
                 <a:sym typeface="Arial"/>
               </a:rPr>
-              <a:t>Detect and ascertain the source (IDS):</a:t>
-            </a:r>
+              <a:t>Implement prevention techniques to Brute Force Attacks:</a:t>
+            </a:r>
+            <a:endParaRPr b="1" sz="1200">
+              <a:solidFill>
+                <a:srgbClr val="1D1C1D"/>
+              </a:solidFill>
+              <a:highlight>
+                <a:srgbClr val="FFFFFF"/>
+              </a:highlight>
+              <a:latin typeface="Arial"/>
+              <a:ea typeface="Arial"/>
+              <a:cs typeface="Arial"/>
+              <a:sym typeface="Arial"/>
+            </a:endParaRPr>
+          </a:p>
+          <a:p>
+            <a:pPr indent="-304800" lvl="1" marL="914400" rtl="0" algn="l">
+              <a:spcBef>
+                <a:spcPts val="0"/>
+              </a:spcBef>
+              <a:spcAft>
+                <a:spcPts val="0"/>
+              </a:spcAft>
+              <a:buClr>
+                <a:srgbClr val="1D1C1D"/>
+              </a:buClr>
+              <a:buSzPts val="1200"/>
+              <a:buFont typeface="Arial"/>
+              <a:buAutoNum type="alphaLcPeriod"/>
+            </a:pPr>
             <a:r>
               <a:rPr lang="en" sz="1200">
                 <a:solidFill>
@@ -9799,7 +9901,7 @@
                 <a:cs typeface="Arial"/>
                 <a:sym typeface="Arial"/>
               </a:rPr>
-              <a:t> </a:t>
+              <a:t>Device Cookies: distinguish between known/trusted and unknown/untrusted clients</a:t>
             </a:r>
             <a:endParaRPr sz="1200">
               <a:solidFill>
@@ -9842,222 +9944,7 @@
                 <a:cs typeface="Arial"/>
                 <a:sym typeface="Arial"/>
               </a:rPr>
-              <a:t>Ensure security indicators are monitored by:</a:t>
-            </a:r>
-            <a:endParaRPr sz="1200">
-              <a:solidFill>
-                <a:srgbClr val="1D1C1D"/>
-              </a:solidFill>
-              <a:highlight>
-                <a:srgbClr val="FFFFFF"/>
-              </a:highlight>
-              <a:latin typeface="Arial"/>
-              <a:ea typeface="Arial"/>
-              <a:cs typeface="Arial"/>
-              <a:sym typeface="Arial"/>
-            </a:endParaRPr>
-          </a:p>
-          <a:p>
-            <a:pPr indent="-304800" lvl="2" marL="1371600" rtl="0" algn="l">
-              <a:spcBef>
-                <a:spcPts val="0"/>
-              </a:spcBef>
-              <a:spcAft>
-                <a:spcPts val="0"/>
-              </a:spcAft>
-              <a:buClr>
-                <a:srgbClr val="1D1C1D"/>
-              </a:buClr>
-              <a:buSzPts val="1200"/>
-              <a:buFont typeface="Arial"/>
-              <a:buAutoNum type="romanLcPeriod"/>
-            </a:pPr>
-            <a:r>
-              <a:rPr lang="en" sz="1200">
-                <a:solidFill>
-                  <a:srgbClr val="1D1C1D"/>
-                </a:solidFill>
-                <a:highlight>
-                  <a:srgbClr val="FFFFFF"/>
-                </a:highlight>
-                <a:latin typeface="Arial"/>
-                <a:ea typeface="Arial"/>
-                <a:cs typeface="Arial"/>
-                <a:sym typeface="Arial"/>
-              </a:rPr>
-              <a:t>Investigating reports of incidents from administrators, staff, and users</a:t>
-            </a:r>
-            <a:endParaRPr sz="1200">
-              <a:solidFill>
-                <a:srgbClr val="1D1C1D"/>
-              </a:solidFill>
-              <a:highlight>
-                <a:srgbClr val="FFFFFF"/>
-              </a:highlight>
-              <a:latin typeface="Arial"/>
-              <a:ea typeface="Arial"/>
-              <a:cs typeface="Arial"/>
-              <a:sym typeface="Arial"/>
-            </a:endParaRPr>
-          </a:p>
-          <a:p>
-            <a:pPr indent="-304800" lvl="2" marL="1371600" rtl="0" algn="l">
-              <a:spcBef>
-                <a:spcPts val="0"/>
-              </a:spcBef>
-              <a:spcAft>
-                <a:spcPts val="0"/>
-              </a:spcAft>
-              <a:buClr>
-                <a:srgbClr val="1D1C1D"/>
-              </a:buClr>
-              <a:buSzPts val="1200"/>
-              <a:buFont typeface="Arial"/>
-              <a:buAutoNum type="romanLcPeriod"/>
-            </a:pPr>
-            <a:r>
-              <a:rPr lang="en" sz="1200">
-                <a:solidFill>
-                  <a:srgbClr val="1D1C1D"/>
-                </a:solidFill>
-                <a:highlight>
-                  <a:srgbClr val="FFFFFF"/>
-                </a:highlight>
-                <a:latin typeface="Arial"/>
-                <a:ea typeface="Arial"/>
-                <a:cs typeface="Arial"/>
-                <a:sym typeface="Arial"/>
-              </a:rPr>
-              <a:t>Regularly scheduled checks of the security product generating alerts based on analysis of log data </a:t>
-            </a:r>
-            <a:endParaRPr sz="1200">
-              <a:solidFill>
-                <a:srgbClr val="1D1C1D"/>
-              </a:solidFill>
-              <a:highlight>
-                <a:srgbClr val="FFFFFF"/>
-              </a:highlight>
-              <a:latin typeface="Arial"/>
-              <a:ea typeface="Arial"/>
-              <a:cs typeface="Arial"/>
-              <a:sym typeface="Arial"/>
-            </a:endParaRPr>
-          </a:p>
-          <a:p>
-            <a:pPr indent="-304800" lvl="3" marL="1828800" rtl="0" algn="l">
-              <a:spcBef>
-                <a:spcPts val="0"/>
-              </a:spcBef>
-              <a:spcAft>
-                <a:spcPts val="0"/>
-              </a:spcAft>
-              <a:buClr>
-                <a:srgbClr val="1D1C1D"/>
-              </a:buClr>
-              <a:buSzPts val="1200"/>
-              <a:buFont typeface="Arial"/>
-              <a:buAutoNum type="arabicPeriod"/>
-            </a:pPr>
-            <a:r>
-              <a:rPr lang="en" sz="1200">
-                <a:solidFill>
-                  <a:srgbClr val="1D1C1D"/>
-                </a:solidFill>
-                <a:highlight>
-                  <a:srgbClr val="FFFFFF"/>
-                </a:highlight>
-                <a:latin typeface="Arial"/>
-                <a:ea typeface="Arial"/>
-                <a:cs typeface="Arial"/>
-                <a:sym typeface="Arial"/>
-              </a:rPr>
-              <a:t>Possible look fors:  200 status code (found valid password), 401 status code (failed login attempts)</a:t>
-            </a:r>
-            <a:endParaRPr sz="1200">
-              <a:solidFill>
-                <a:srgbClr val="1D1C1D"/>
-              </a:solidFill>
-              <a:highlight>
-                <a:srgbClr val="FFFFFF"/>
-              </a:highlight>
-              <a:latin typeface="Arial"/>
-              <a:ea typeface="Arial"/>
-              <a:cs typeface="Arial"/>
-              <a:sym typeface="Arial"/>
-            </a:endParaRPr>
-          </a:p>
-          <a:p>
-            <a:pPr indent="-304800" lvl="0" marL="457200" rtl="0" algn="l">
-              <a:spcBef>
-                <a:spcPts val="0"/>
-              </a:spcBef>
-              <a:spcAft>
-                <a:spcPts val="0"/>
-              </a:spcAft>
-              <a:buClr>
-                <a:srgbClr val="1D1C1D"/>
-              </a:buClr>
-              <a:buSzPts val="1200"/>
-              <a:buFont typeface="Arial"/>
-              <a:buAutoNum type="arabicPeriod"/>
-            </a:pPr>
-            <a:r>
-              <a:rPr b="1" lang="en" sz="1200">
-                <a:solidFill>
-                  <a:srgbClr val="1D1C1D"/>
-                </a:solidFill>
-                <a:highlight>
-                  <a:srgbClr val="FFFFFF"/>
-                </a:highlight>
-                <a:latin typeface="Arial"/>
-                <a:ea typeface="Arial"/>
-                <a:cs typeface="Arial"/>
-                <a:sym typeface="Arial"/>
-              </a:rPr>
-              <a:t>Implement prevention techniques to Brute Force Attacks:</a:t>
-            </a:r>
-            <a:endParaRPr b="1" sz="1200">
-              <a:solidFill>
-                <a:srgbClr val="1D1C1D"/>
-              </a:solidFill>
-              <a:highlight>
-                <a:srgbClr val="FFFFFF"/>
-              </a:highlight>
-              <a:latin typeface="Arial"/>
-              <a:ea typeface="Arial"/>
-              <a:cs typeface="Arial"/>
-              <a:sym typeface="Arial"/>
-            </a:endParaRPr>
-          </a:p>
-          <a:p>
-            <a:pPr indent="-304800" lvl="1" marL="914400" rtl="0" algn="l">
-              <a:spcBef>
-                <a:spcPts val="0"/>
-              </a:spcBef>
-              <a:spcAft>
-                <a:spcPts val="0"/>
-              </a:spcAft>
-              <a:buClr>
-                <a:srgbClr val="1D1C1D"/>
-              </a:buClr>
-              <a:buSzPts val="1200"/>
-              <a:buFont typeface="Arial"/>
-              <a:buAutoNum type="alphaLcPeriod"/>
-            </a:pPr>
-            <a:r>
-              <a:rPr lang="en" sz="1200">
-                <a:solidFill>
-                  <a:srgbClr val="1D1C1D"/>
-                </a:solidFill>
-                <a:highlight>
-                  <a:srgbClr val="FFFFFF"/>
-                </a:highlight>
-                <a:latin typeface="Arial"/>
-                <a:ea typeface="Arial"/>
-                <a:cs typeface="Arial"/>
-                <a:sym typeface="Arial"/>
-              </a:rPr>
-              <a:t>Device Cookies: distinguish between known/trusted and unknown/untrusted clients, establish universal temporary lockouts for all untrusted clients, lockout trusted clients individually</a:t>
+              <a:t>Alter behavior for failed passwords: instead of the predictable 401 status code </a:t>
             </a:r>
             <a:endParaRPr sz="1200">
               <a:solidFill>
@@ -10100,50 +9987,7 @@
                 <a:cs typeface="Arial"/>
                 <a:sym typeface="Arial"/>
               </a:rPr>
-              <a:t>Alter behavior for failed passwords: instead of the predictable 401 status code with a failed password attempt, alter the responses to return different error messages each time and/or let the user through and request the password again. </a:t>
-            </a:r>
-            <a:endParaRPr sz="1200">
-              <a:solidFill>
-                <a:srgbClr val="1D1C1D"/>
-              </a:solidFill>
-              <a:highlight>
-                <a:srgbClr val="FFFFFF"/>
-              </a:highlight>
-              <a:latin typeface="Arial"/>
-              <a:ea typeface="Arial"/>
-              <a:cs typeface="Arial"/>
-              <a:sym typeface="Arial"/>
-            </a:endParaRPr>
-          </a:p>
-          <a:p>
-            <a:pPr indent="-304800" lvl="1" marL="914400" rtl="0" algn="l">
-              <a:spcBef>
-                <a:spcPts val="0"/>
-              </a:spcBef>
-              <a:spcAft>
-                <a:spcPts val="0"/>
-              </a:spcAft>
-              <a:buClr>
-                <a:srgbClr val="1D1C1D"/>
-              </a:buClr>
-              <a:buSzPts val="1200"/>
-              <a:buFont typeface="Arial"/>
-              <a:buAutoNum type="alphaLcPeriod"/>
-            </a:pPr>
-            <a:r>
-              <a:rPr lang="en" sz="1200">
-                <a:solidFill>
-                  <a:srgbClr val="1D1C1D"/>
-                </a:solidFill>
-                <a:highlight>
-                  <a:srgbClr val="FFFFFF"/>
-                </a:highlight>
-                <a:latin typeface="Arial"/>
-                <a:ea typeface="Arial"/>
-                <a:cs typeface="Arial"/>
-                <a:sym typeface="Arial"/>
-              </a:rPr>
-              <a:t>Assign unique login URLs to blocks of users so that not all users can access the site from the same URL</a:t>
+              <a:t>Assign unique login URLs to blocks of users</a:t>
             </a:r>
             <a:endParaRPr sz="1200">
               <a:solidFill>
@@ -10175,6 +10019,33 @@
           </a:p>
         </p:txBody>
       </p:sp>
+      <p:pic>
+        <p:nvPicPr>
+          <p:cNvPr id="169" name="Google Shape;169;p23"/>
+          <p:cNvPicPr preferRelativeResize="0"/>
+          <p:nvPr/>
+        </p:nvPicPr>
+        <p:blipFill rotWithShape="1">
+          <a:blip r:embed="rId3">
+            <a:alphaModFix/>
+          </a:blip>
+          <a:srcRect b="0" l="-22115" r="0" t="-23716"/>
+          <a:stretch/>
+        </p:blipFill>
+        <p:spPr>
+          <a:xfrm>
+            <a:off x="2953200" y="2452425"/>
+            <a:ext cx="2857500" cy="2384475"/>
+          </a:xfrm>
+          <a:prstGeom prst="rect">
+            <a:avLst/>
+          </a:prstGeom>
+          <a:noFill/>
+          <a:ln>
+            <a:noFill/>
+          </a:ln>
+        </p:spPr>
+      </p:pic>
     </p:spTree>
   </p:cSld>
   <p:clrMapOvr>
@@ -10188,7 +10059,7 @@
   <p:cSld>
     <p:spTree>
       <p:nvGrpSpPr>
-        <p:cNvPr id="172" name="Shape 172"/>
+        <p:cNvPr id="173" name="Shape 173"/>
         <p:cNvGrpSpPr/>
         <p:nvPr/>
       </p:nvGrpSpPr>
@@ -10202,7 +10073,7 @@
       </p:grpSpPr>
       <p:sp>
         <p:nvSpPr>
-          <p:cNvPr id="173" name="Google Shape;173;p24"/>
+          <p:cNvPr id="174" name="Google Shape;174;p24"/>
           <p:cNvSpPr txBox="1"/>
           <p:nvPr>
             <p:ph type="title"/>
@@ -10242,7 +10113,7 @@
       </p:sp>
       <p:sp>
         <p:nvSpPr>
-          <p:cNvPr id="174" name="Google Shape;174;p24"/>
+          <p:cNvPr id="175" name="Google Shape;175;p24"/>
           <p:cNvSpPr txBox="1"/>
           <p:nvPr>
             <p:ph idx="1" type="body"/>
@@ -10273,19 +10144,7 @@
               <a:buNone/>
             </a:pPr>
             <a:r>
-              <a:rPr lang="en" sz="1200">
-                <a:solidFill>
-                  <a:srgbClr val="1D1C1D"/>
-                </a:solidFill>
-                <a:highlight>
-                  <a:schemeClr val="lt1"/>
-                </a:highlight>
-                <a:latin typeface="Arial"/>
-                <a:ea typeface="Arial"/>
-                <a:cs typeface="Arial"/>
-                <a:sym typeface="Arial"/>
-              </a:rPr>
-              <a:t>Cont.</a:t>
+              <a:t/>
             </a:r>
             <a:endParaRPr sz="1200">
               <a:solidFill>
@@ -10401,7 +10260,22 @@
                 <a:cs typeface="Arial"/>
                 <a:sym typeface="Arial"/>
               </a:rPr>
-              <a:t> ensure to implement a strong password policy focusing on length, complexity, no personal information, no dictionary words or common misspellings, and no predictable habits such as identical formats </a:t>
+              <a:t> ensure to implement a strong password policy focusing on length and complexity</a:t>
+            </a:r>
+            <a:r>
+              <a:rPr lang="en" sz="1200">
+                <a:solidFill>
+                  <a:srgbClr val="1D1C1D"/>
+                </a:solidFill>
+                <a:highlight>
+                  <a:schemeClr val="lt1"/>
+                </a:highlight>
+                <a:latin typeface="Arial"/>
+                <a:ea typeface="Arial"/>
+                <a:cs typeface="Arial"/>
+                <a:sym typeface="Arial"/>
+              </a:rPr>
+              <a:t> </a:t>
             </a:r>
             <a:endParaRPr sz="1200">
               <a:solidFill>
@@ -10459,7 +10333,37 @@
                 <a:cs typeface="Arial"/>
                 <a:sym typeface="Arial"/>
               </a:rPr>
-              <a:t> such as HR workstations, Finance workstations, and etc. Then assign a domain account with administrative privileges over the hosts in the specific group. Configure the account to not be able to access any other services or hosts, which supports limiting the breach to that particular perimeter.  </a:t>
+              <a:t> such as HR workstations, Finance workstations, and et</a:t>
+            </a:r>
+            <a:r>
+              <a:rPr lang="en" sz="1200">
+                <a:solidFill>
+                  <a:srgbClr val="1D1C1D"/>
+                </a:solidFill>
+                <a:highlight>
+                  <a:schemeClr val="lt1"/>
+                </a:highlight>
+                <a:latin typeface="Arial"/>
+                <a:ea typeface="Arial"/>
+                <a:cs typeface="Arial"/>
+                <a:sym typeface="Arial"/>
+              </a:rPr>
+              <a:t>c. </a:t>
+            </a:r>
+            <a:r>
+              <a:rPr lang="en" sz="1200">
+                <a:solidFill>
+                  <a:srgbClr val="1D1C1D"/>
+                </a:solidFill>
+                <a:highlight>
+                  <a:schemeClr val="lt1"/>
+                </a:highlight>
+                <a:latin typeface="Arial"/>
+                <a:ea typeface="Arial"/>
+                <a:cs typeface="Arial"/>
+                <a:sym typeface="Arial"/>
+              </a:rPr>
+              <a:t> </a:t>
             </a:r>
             <a:endParaRPr sz="1200">
               <a:solidFill>
@@ -10517,37 +10421,7 @@
                 <a:cs typeface="Arial"/>
                 <a:sym typeface="Arial"/>
               </a:rPr>
-              <a:t> rights for users providing them the bare minimum </a:t>
-            </a:r>
-            <a:r>
-              <a:rPr lang="en" sz="1200">
-                <a:solidFill>
-                  <a:srgbClr val="1D1C1D"/>
-                </a:solidFill>
-                <a:highlight>
-                  <a:schemeClr val="lt1"/>
-                </a:highlight>
-                <a:latin typeface="Arial"/>
-                <a:ea typeface="Arial"/>
-                <a:cs typeface="Arial"/>
-                <a:sym typeface="Arial"/>
-              </a:rPr>
-              <a:t>privileges</a:t>
-            </a:r>
-            <a:r>
-              <a:rPr lang="en" sz="1200">
-                <a:solidFill>
-                  <a:srgbClr val="1D1C1D"/>
-                </a:solidFill>
-                <a:highlight>
-                  <a:schemeClr val="lt1"/>
-                </a:highlight>
-                <a:latin typeface="Arial"/>
-                <a:ea typeface="Arial"/>
-                <a:cs typeface="Arial"/>
-                <a:sym typeface="Arial"/>
-              </a:rPr>
-              <a:t> necessary to perform its function.</a:t>
+              <a:t> rights for users </a:t>
             </a:r>
             <a:endParaRPr sz="1200">
               <a:solidFill>
@@ -10846,6 +10720,33 @@
           </a:p>
         </p:txBody>
       </p:sp>
+      <p:pic>
+        <p:nvPicPr>
+          <p:cNvPr id="176" name="Google Shape;176;p24"/>
+          <p:cNvPicPr preferRelativeResize="0"/>
+          <p:nvPr/>
+        </p:nvPicPr>
+        <p:blipFill rotWithShape="1">
+          <a:blip r:embed="rId3">
+            <a:alphaModFix/>
+          </a:blip>
+          <a:srcRect b="0" l="-22115" r="0" t="-23716"/>
+          <a:stretch/>
+        </p:blipFill>
+        <p:spPr>
+          <a:xfrm>
+            <a:off x="3046550" y="2629925"/>
+            <a:ext cx="2680950" cy="2237150"/>
+          </a:xfrm>
+          <a:prstGeom prst="rect">
+            <a:avLst/>
+          </a:prstGeom>
+          <a:noFill/>
+          <a:ln>
+            <a:noFill/>
+          </a:ln>
+        </p:spPr>
+      </p:pic>
     </p:spTree>
   </p:cSld>
   <p:clrMapOvr>
@@ -10859,7 +10760,7 @@
   <p:cSld>
     <p:spTree>
       <p:nvGrpSpPr>
-        <p:cNvPr id="178" name="Shape 178"/>
+        <p:cNvPr id="180" name="Shape 180"/>
         <p:cNvGrpSpPr/>
         <p:nvPr/>
       </p:nvGrpSpPr>
@@ -10873,7 +10774,7 @@
       </p:grpSpPr>
       <p:sp>
         <p:nvSpPr>
-          <p:cNvPr id="179" name="Google Shape;179;p25"/>
+          <p:cNvPr id="181" name="Google Shape;181;p25"/>
           <p:cNvSpPr txBox="1"/>
           <p:nvPr>
             <p:ph type="title"/>
@@ -10913,7 +10814,7 @@
       </p:sp>
       <p:sp>
         <p:nvSpPr>
-          <p:cNvPr id="180" name="Google Shape;180;p25"/>
+          <p:cNvPr id="182" name="Google Shape;182;p25"/>
           <p:cNvSpPr txBox="1"/>
           <p:nvPr>
             <p:ph idx="1" type="body"/>
@@ -11045,7 +10946,7 @@
                 <a:cs typeface="Proxima Nova"/>
                 <a:sym typeface="Proxima Nova"/>
               </a:rPr>
-              <a:t>  the default port for SSH is 22, susceptible to brute force attacks -- set the port to another port number</a:t>
+              <a:t> set the port to 1024 or higher</a:t>
             </a:r>
             <a:endParaRPr sz="1200">
               <a:solidFill>
@@ -11094,31 +10995,30 @@
                 <a:cs typeface="Proxima Nova"/>
                 <a:sym typeface="Proxima Nova"/>
               </a:rPr>
-              <a:t>  root login is allowed on most Linux operating systems, allowing anyone to connect to port 22, and use </a:t>
-            </a:r>
-            <a:r>
-              <a:rPr b="1" lang="en" sz="1200">
-                <a:solidFill>
-                  <a:srgbClr val="353744"/>
-                </a:solidFill>
-                <a:latin typeface="Proxima Nova"/>
-                <a:ea typeface="Proxima Nova"/>
-                <a:cs typeface="Proxima Nova"/>
-                <a:sym typeface="Proxima Nova"/>
-              </a:rPr>
-              <a:t>root user</a:t>
-            </a:r>
-            <a:r>
-              <a:rPr lang="en" sz="1200">
-                <a:solidFill>
-                  <a:srgbClr val="353744"/>
-                </a:solidFill>
-                <a:latin typeface="Proxima Nova"/>
-                <a:ea typeface="Proxima Nova"/>
-                <a:cs typeface="Proxima Nova"/>
-                <a:sym typeface="Proxima Nova"/>
-              </a:rPr>
-              <a:t> as default allowing more brute force attacks -- disable root login and use a primary SSH user instead </a:t>
+              <a:t>  disable root login and use a primary SSH user instead </a:t>
+            </a:r>
+            <a:endParaRPr sz="1200">
+              <a:solidFill>
+                <a:srgbClr val="353744"/>
+              </a:solidFill>
+              <a:latin typeface="Proxima Nova"/>
+              <a:ea typeface="Proxima Nova"/>
+              <a:cs typeface="Proxima Nova"/>
+              <a:sym typeface="Proxima Nova"/>
+            </a:endParaRPr>
+          </a:p>
+          <a:p>
+            <a:pPr indent="0" lvl="0" marL="0" rtl="0" algn="l">
+              <a:spcBef>
+                <a:spcPts val="0"/>
+              </a:spcBef>
+              <a:spcAft>
+                <a:spcPts val="0"/>
+              </a:spcAft>
+              <a:buNone/>
+            </a:pPr>
+            <a:r>
+              <a:t/>
             </a:r>
             <a:endParaRPr sz="1200">
               <a:solidFill>
@@ -11298,6 +11198,33 @@
           </a:p>
         </p:txBody>
       </p:sp>
+      <p:pic>
+        <p:nvPicPr>
+          <p:cNvPr id="183" name="Google Shape;183;p25"/>
+          <p:cNvPicPr preferRelativeResize="0"/>
+          <p:nvPr/>
+        </p:nvPicPr>
+        <p:blipFill rotWithShape="1">
+          <a:blip r:embed="rId3">
+            <a:alphaModFix/>
+          </a:blip>
+          <a:srcRect b="0" l="-22115" r="0" t="-23716"/>
+          <a:stretch/>
+        </p:blipFill>
+        <p:spPr>
+          <a:xfrm>
+            <a:off x="2965675" y="2396950"/>
+            <a:ext cx="2857500" cy="2384475"/>
+          </a:xfrm>
+          <a:prstGeom prst="rect">
+            <a:avLst/>
+          </a:prstGeom>
+          <a:noFill/>
+          <a:ln>
+            <a:noFill/>
+          </a:ln>
+        </p:spPr>
+      </p:pic>
     </p:spTree>
   </p:cSld>
   <p:clrMapOvr>
@@ -11311,7 +11238,7 @@
   <p:cSld>
     <p:spTree>
       <p:nvGrpSpPr>
-        <p:cNvPr id="184" name="Shape 184"/>
+        <p:cNvPr id="187" name="Shape 187"/>
         <p:cNvGrpSpPr/>
         <p:nvPr/>
       </p:nvGrpSpPr>
@@ -11325,7 +11252,7 @@
       </p:grpSpPr>
       <p:sp>
         <p:nvSpPr>
-          <p:cNvPr id="185" name="Google Shape;185;p26"/>
+          <p:cNvPr id="188" name="Google Shape;188;p26"/>
           <p:cNvSpPr txBox="1"/>
           <p:nvPr>
             <p:ph type="title"/>
@@ -11365,7 +11292,7 @@
       </p:sp>
       <p:sp>
         <p:nvSpPr>
-          <p:cNvPr id="186" name="Google Shape;186;p26"/>
+          <p:cNvPr id="189" name="Google Shape;189;p26"/>
           <p:cNvSpPr txBox="1"/>
           <p:nvPr>
             <p:ph idx="1" type="body"/>
@@ -11613,7 +11540,7 @@
       </p:sp>
       <p:pic>
         <p:nvPicPr>
-          <p:cNvPr id="187" name="Google Shape;187;p26"/>
+          <p:cNvPr id="190" name="Google Shape;190;p26"/>
           <p:cNvPicPr preferRelativeResize="0"/>
           <p:nvPr/>
         </p:nvPicPr>
@@ -11652,7 +11579,7 @@
   <p:cSld>
     <p:spTree>
       <p:nvGrpSpPr>
-        <p:cNvPr id="191" name="Shape 191"/>
+        <p:cNvPr id="194" name="Shape 194"/>
         <p:cNvGrpSpPr/>
         <p:nvPr/>
       </p:nvGrpSpPr>
@@ -11666,7 +11593,7 @@
       </p:grpSpPr>
       <p:sp>
         <p:nvSpPr>
-          <p:cNvPr id="192" name="Google Shape;192;p27"/>
+          <p:cNvPr id="195" name="Google Shape;195;p27"/>
           <p:cNvSpPr txBox="1"/>
           <p:nvPr>
             <p:ph type="title"/>
@@ -11706,7 +11633,7 @@
       </p:sp>
       <p:sp>
         <p:nvSpPr>
-          <p:cNvPr id="193" name="Google Shape;193;p27"/>
+          <p:cNvPr id="196" name="Google Shape;196;p27"/>
           <p:cNvSpPr txBox="1"/>
           <p:nvPr>
             <p:ph idx="1" type="body"/>
@@ -13961,6 +13888,285 @@
 </file>
 
 <file path=ppt/theme/theme1.xml><?xml version="1.0" encoding="utf-8"?>
+<a:theme xmlns:a="http://schemas.openxmlformats.org/drawingml/2006/main" xmlns:r="http://schemas.openxmlformats.org/officeDocument/2006/relationships" name="Geometric">
+  <a:themeElements>
+    <a:clrScheme name="Geometric">
+      <a:dk1>
+        <a:srgbClr val="2A3990"/>
+      </a:dk1>
+      <a:lt1>
+        <a:srgbClr val="FFFFFF"/>
+      </a:lt1>
+      <a:dk2>
+        <a:srgbClr val="434343"/>
+      </a:dk2>
+      <a:lt2>
+        <a:srgbClr val="999999"/>
+      </a:lt2>
+      <a:accent1>
+        <a:srgbClr val="212D74"/>
+      </a:accent1>
+      <a:accent2>
+        <a:srgbClr val="3949AB"/>
+      </a:accent2>
+      <a:accent3>
+        <a:srgbClr val="9C254D"/>
+      </a:accent3>
+      <a:accent4>
+        <a:srgbClr val="D23369"/>
+      </a:accent4>
+      <a:accent5>
+        <a:srgbClr val="F06292"/>
+      </a:accent5>
+      <a:accent6>
+        <a:srgbClr val="7890CD"/>
+      </a:accent6>
+      <a:hlink>
+        <a:srgbClr val="F06292"/>
+      </a:hlink>
+      <a:folHlink>
+        <a:srgbClr val="F06292"/>
+      </a:folHlink>
+    </a:clrScheme>
+    <a:fontScheme name="Office">
+      <a:majorFont>
+        <a:latin typeface="Arial"/>
+        <a:ea typeface=""/>
+        <a:cs typeface=""/>
+        <a:font script="Jpan" typeface="ＭＳ Ｐゴシック"/>
+        <a:font script="Hang" typeface="맑은 고딕"/>
+        <a:font script="Hans" typeface="宋体"/>
+        <a:font script="Hant" typeface="新細明體"/>
+        <a:font script="Arab" typeface="Times New Roman"/>
+        <a:font script="Hebr" typeface="Times New Roman"/>
+        <a:font script="Thai" typeface="Angsana New"/>
+        <a:font script="Ethi" typeface="Nyala"/>
+        <a:font script="Beng" typeface="Vrinda"/>
+        <a:font script="Gujr" typeface="Shruti"/>
+        <a:font script="Khmr" typeface="MoolBoran"/>
+        <a:font script="Knda" typeface="Tunga"/>
+        <a:font script="Guru" typeface="Raavi"/>
+        <a:font script="Cans" typeface="Euphemia"/>
+        <a:font script="Cher" typeface="Plantagenet Cherokee"/>
+        <a:font script="Yiii" typeface="Microsoft Yi Baiti"/>
+        <a:font script="Tibt" typeface="Microsoft Himalaya"/>
+        <a:font script="Thaa" typeface="MV Boli"/>
+        <a:font script="Deva" typeface="Mangal"/>
+        <a:font script="Telu" typeface="Gautami"/>
+        <a:font script="Taml" typeface="Latha"/>
+        <a:font script="Syrc" typeface="Estrangelo Edessa"/>
+        <a:font script="Orya" typeface="Kalinga"/>
+        <a:font script="Mlym" typeface="Kartika"/>
+        <a:font script="Laoo" typeface="DokChampa"/>
+        <a:font script="Sinh" typeface="Iskoola Pota"/>
+        <a:font script="Mong" typeface="Mongolian Baiti"/>
+        <a:font script="Viet" typeface="Times New Roman"/>
+        <a:font script="Uigh" typeface="Microsoft Uighur"/>
+        <a:font script="Geor" typeface="Sylfaen"/>
+      </a:majorFont>
+      <a:minorFont>
+        <a:latin typeface="Arial"/>
+        <a:ea typeface=""/>
+        <a:cs typeface=""/>
+        <a:font script="Jpan" typeface="ＭＳ Ｐゴシック"/>
+        <a:font script="Hang" typeface="맑은 고딕"/>
+        <a:font script="Hans" typeface="宋体"/>
+        <a:font script="Hant" typeface="新細明體"/>
+        <a:font script="Arab" typeface="Arial"/>
+        <a:font script="Hebr" typeface="Arial"/>
+        <a:font script="Thai" typeface="Cordia New"/>
+        <a:font script="Ethi" typeface="Nyala"/>
+        <a:font script="Beng" typeface="Vrinda"/>
+        <a:font script="Gujr" typeface="Shruti"/>
+        <a:font script="Khmr" typeface="DaunPenh"/>
+        <a:font script="Knda" typeface="Tunga"/>
+        <a:font script="Guru" typeface="Raavi"/>
+        <a:font script="Cans" typeface="Euphemia"/>
+        <a:font script="Cher" typeface="Plantagenet Cherokee"/>
+        <a:font script="Yiii" typeface="Microsoft Yi Baiti"/>
+        <a:font script="Tibt" typeface="Microsoft Himalaya"/>
+        <a:font script="Thaa" typeface="MV Boli"/>
+        <a:font script="Deva" typeface="Mangal"/>
+        <a:font script="Telu" typeface="Gautami"/>
+        <a:font script="Taml" typeface="Latha"/>
+        <a:font script="Syrc" typeface="Estrangelo Edessa"/>
+        <a:font script="Orya" typeface="Kalinga"/>
+        <a:font script="Mlym" typeface="Kartika"/>
+        <a:font script="Laoo" typeface="DokChampa"/>
+        <a:font script="Sinh" typeface="Iskoola Pota"/>
+        <a:font script="Mong" typeface="Mongolian Baiti"/>
+        <a:font script="Viet" typeface="Arial"/>
+        <a:font script="Uigh" typeface="Microsoft Uighur"/>
+        <a:font script="Geor" typeface="Sylfaen"/>
+      </a:minorFont>
+    </a:fontScheme>
+    <a:fmtScheme name="Office">
+      <a:fillStyleLst>
+        <a:solidFill>
+          <a:schemeClr val="phClr"/>
+        </a:solidFill>
+        <a:gradFill rotWithShape="1">
+          <a:gsLst>
+            <a:gs pos="0">
+              <a:schemeClr val="phClr">
+                <a:tint val="50000"/>
+                <a:satMod val="300000"/>
+              </a:schemeClr>
+            </a:gs>
+            <a:gs pos="35000">
+              <a:schemeClr val="phClr">
+                <a:tint val="37000"/>
+                <a:satMod val="300000"/>
+              </a:schemeClr>
+            </a:gs>
+            <a:gs pos="100000">
+              <a:schemeClr val="phClr">
+                <a:tint val="15000"/>
+                <a:satMod val="350000"/>
+              </a:schemeClr>
+            </a:gs>
+          </a:gsLst>
+          <a:lin ang="16200000" scaled="1"/>
+        </a:gradFill>
+        <a:gradFill rotWithShape="1">
+          <a:gsLst>
+            <a:gs pos="0">
+              <a:schemeClr val="phClr">
+                <a:tint val="100000"/>
+                <a:shade val="100000"/>
+                <a:satMod val="130000"/>
+              </a:schemeClr>
+            </a:gs>
+            <a:gs pos="100000">
+              <a:schemeClr val="phClr">
+                <a:tint val="50000"/>
+                <a:shade val="100000"/>
+                <a:satMod val="350000"/>
+              </a:schemeClr>
+            </a:gs>
+          </a:gsLst>
+          <a:lin ang="16200000" scaled="0"/>
+        </a:gradFill>
+      </a:fillStyleLst>
+      <a:lnStyleLst>
+        <a:ln w="9525" cap="flat" cmpd="sng" algn="ctr">
+          <a:solidFill>
+            <a:schemeClr val="phClr">
+              <a:shade val="95000"/>
+              <a:satMod val="105000"/>
+            </a:schemeClr>
+          </a:solidFill>
+          <a:prstDash val="solid"/>
+        </a:ln>
+        <a:ln w="25400" cap="flat" cmpd="sng" algn="ctr">
+          <a:solidFill>
+            <a:schemeClr val="phClr"/>
+          </a:solidFill>
+          <a:prstDash val="solid"/>
+        </a:ln>
+        <a:ln w="38100" cap="flat" cmpd="sng" algn="ctr">
+          <a:solidFill>
+            <a:schemeClr val="phClr"/>
+          </a:solidFill>
+          <a:prstDash val="solid"/>
+        </a:ln>
+      </a:lnStyleLst>
+      <a:effectStyleLst>
+        <a:effectStyle>
+          <a:effectLst>
+            <a:outerShdw blurRad="40000" dist="20000" dir="5400000" rotWithShape="0">
+              <a:srgbClr val="000000">
+                <a:alpha val="38000"/>
+              </a:srgbClr>
+            </a:outerShdw>
+          </a:effectLst>
+        </a:effectStyle>
+        <a:effectStyle>
+          <a:effectLst>
+            <a:outerShdw blurRad="40000" dist="23000" dir="5400000" rotWithShape="0">
+              <a:srgbClr val="000000">
+                <a:alpha val="35000"/>
+              </a:srgbClr>
+            </a:outerShdw>
+          </a:effectLst>
+        </a:effectStyle>
+        <a:effectStyle>
+          <a:effectLst>
+            <a:outerShdw blurRad="40000" dist="23000" dir="5400000" rotWithShape="0">
+              <a:srgbClr val="000000">
+                <a:alpha val="35000"/>
+              </a:srgbClr>
+            </a:outerShdw>
+          </a:effectLst>
+          <a:scene3d>
+            <a:camera prst="orthographicFront">
+              <a:rot lat="0" lon="0" rev="0"/>
+            </a:camera>
+            <a:lightRig rig="threePt" dir="t">
+              <a:rot lat="0" lon="0" rev="1200000"/>
+            </a:lightRig>
+          </a:scene3d>
+          <a:sp3d>
+            <a:bevelT w="63500" h="25400"/>
+          </a:sp3d>
+        </a:effectStyle>
+      </a:effectStyleLst>
+      <a:bgFillStyleLst>
+        <a:solidFill>
+          <a:schemeClr val="phClr"/>
+        </a:solidFill>
+        <a:gradFill rotWithShape="1">
+          <a:gsLst>
+            <a:gs pos="0">
+              <a:schemeClr val="phClr">
+                <a:tint val="40000"/>
+                <a:satMod val="350000"/>
+              </a:schemeClr>
+            </a:gs>
+            <a:gs pos="40000">
+              <a:schemeClr val="phClr">
+                <a:tint val="45000"/>
+                <a:shade val="99000"/>
+                <a:satMod val="350000"/>
+              </a:schemeClr>
+            </a:gs>
+            <a:gs pos="100000">
+              <a:schemeClr val="phClr">
+                <a:shade val="20000"/>
+                <a:satMod val="255000"/>
+              </a:schemeClr>
+            </a:gs>
+          </a:gsLst>
+          <a:path path="circle">
+            <a:fillToRect l="50000" t="-80000" r="50000" b="180000"/>
+          </a:path>
+        </a:gradFill>
+        <a:gradFill rotWithShape="1">
+          <a:gsLst>
+            <a:gs pos="0">
+              <a:schemeClr val="phClr">
+                <a:tint val="80000"/>
+                <a:satMod val="300000"/>
+              </a:schemeClr>
+            </a:gs>
+            <a:gs pos="100000">
+              <a:schemeClr val="phClr">
+                <a:shade val="30000"/>
+                <a:satMod val="200000"/>
+              </a:schemeClr>
+            </a:gs>
+          </a:gsLst>
+          <a:path path="circle">
+            <a:fillToRect l="50000" t="50000" r="50000" b="50000"/>
+          </a:path>
+        </a:gradFill>
+      </a:bgFillStyleLst>
+    </a:fmtScheme>
+  </a:themeElements>
+</a:theme>
+</file>
+
+<file path=ppt/theme/theme2.xml><?xml version="1.0" encoding="utf-8"?>
 <a:theme xmlns:a="http://schemas.openxmlformats.org/drawingml/2006/main" xmlns:r="http://schemas.openxmlformats.org/officeDocument/2006/relationships">
   <a:themeElements>
     <a:clrScheme name="Default">
@@ -14237,283 +14443,4 @@
     </a:fmtScheme>
   </a:themeElements>
 </a:theme>
-</file>
-
-<file path=ppt/theme/theme2.xml><?xml version="1.0" encoding="utf-8"?>
-<a:theme xmlns:a="http://schemas.openxmlformats.org/drawingml/2006/main" xmlns:r="http://schemas.openxmlformats.org/officeDocument/2006/relationships" name="Geometric">
-  <a:themeElements>
-    <a:clrScheme name="Geometric">
-      <a:dk1>
-        <a:srgbClr val="2A3990"/>
-      </a:dk1>
-      <a:lt1>
-        <a:srgbClr val="FFFFFF"/>
-      </a:lt1>
-      <a:dk2>
-        <a:srgbClr val="434343"/>
-      </a:dk2>
-      <a:lt2>
-        <a:srgbClr val="999999"/>
-      </a:lt2>
-      <a:accent1>
-        <a:srgbClr val="212D74"/>
-      </a:accent1>
-      <a:accent2>
-        <a:srgbClr val="3949AB"/>
-      </a:accent2>
-      <a:accent3>
-        <a:srgbClr val="9C254D"/>
-      </a:accent3>
-      <a:accent4>
-        <a:srgbClr val="D23369"/>
-      </a:accent4>
-      <a:accent5>
-        <a:srgbClr val="F06292"/>
-      </a:accent5>
-      <a:accent6>
-        <a:srgbClr val="7890CD"/>
-      </a:accent6>
-      <a:hlink>
-        <a:srgbClr val="F06292"/>
-      </a:hlink>
-      <a:folHlink>
-        <a:srgbClr val="F06292"/>
-      </a:folHlink>
-    </a:clrScheme>
-    <a:fontScheme name="Office">
-      <a:majorFont>
-        <a:latin typeface="Arial"/>
-        <a:ea typeface=""/>
-        <a:cs typeface=""/>
-        <a:font script="Jpan" typeface="ＭＳ Ｐゴシック"/>
-        <a:font script="Hang" typeface="맑은 고딕"/>
-        <a:font script="Hans" typeface="宋体"/>
-        <a:font script="Hant" typeface="新細明體"/>
-        <a:font script="Arab" typeface="Times New Roman"/>
-        <a:font script="Hebr" typeface="Times New Roman"/>
-        <a:font script="Thai" typeface="Angsana New"/>
-        <a:font script="Ethi" typeface="Nyala"/>
-        <a:font script="Beng" typeface="Vrinda"/>
-        <a:font script="Gujr" typeface="Shruti"/>
-        <a:font script="Khmr" typeface="MoolBoran"/>
-        <a:font script="Knda" typeface="Tunga"/>
-        <a:font script="Guru" typeface="Raavi"/>
-        <a:font script="Cans" typeface="Euphemia"/>
-        <a:font script="Cher" typeface="Plantagenet Cherokee"/>
-        <a:font script="Yiii" typeface="Microsoft Yi Baiti"/>
-        <a:font script="Tibt" typeface="Microsoft Himalaya"/>
-        <a:font script="Thaa" typeface="MV Boli"/>
-        <a:font script="Deva" typeface="Mangal"/>
-        <a:font script="Telu" typeface="Gautami"/>
-        <a:font script="Taml" typeface="Latha"/>
-        <a:font script="Syrc" typeface="Estrangelo Edessa"/>
-        <a:font script="Orya" typeface="Kalinga"/>
-        <a:font script="Mlym" typeface="Kartika"/>
-        <a:font script="Laoo" typeface="DokChampa"/>
-        <a:font script="Sinh" typeface="Iskoola Pota"/>
-        <a:font script="Mong" typeface="Mongolian Baiti"/>
-        <a:font script="Viet" typeface="Times New Roman"/>
-        <a:font script="Uigh" typeface="Microsoft Uighur"/>
-        <a:font script="Geor" typeface="Sylfaen"/>
-      </a:majorFont>
-      <a:minorFont>
-        <a:latin typeface="Arial"/>
-        <a:ea typeface=""/>
-        <a:cs typeface=""/>
-        <a:font script="Jpan" typeface="ＭＳ Ｐゴシック"/>
-        <a:font script="Hang" typeface="맑은 고딕"/>
-        <a:font script="Hans" typeface="宋体"/>
-        <a:font script="Hant" typeface="新細明體"/>
-        <a:font script="Arab" typeface="Arial"/>
-        <a:font script="Hebr" typeface="Arial"/>
-        <a:font script="Thai" typeface="Cordia New"/>
-        <a:font script="Ethi" typeface="Nyala"/>
-        <a:font script="Beng" typeface="Vrinda"/>
-        <a:font script="Gujr" typeface="Shruti"/>
-        <a:font script="Khmr" typeface="DaunPenh"/>
-        <a:font script="Knda" typeface="Tunga"/>
-        <a:font script="Guru" typeface="Raavi"/>
-        <a:font script="Cans" typeface="Euphemia"/>
-        <a:font script="Cher" typeface="Plantagenet Cherokee"/>
-        <a:font script="Yiii" typeface="Microsoft Yi Baiti"/>
-        <a:font script="Tibt" typeface="Microsoft Himalaya"/>
-        <a:font script="Thaa" typeface="MV Boli"/>
-        <a:font script="Deva" typeface="Mangal"/>
-        <a:font script="Telu" typeface="Gautami"/>
-        <a:font script="Taml" typeface="Latha"/>
-        <a:font script="Syrc" typeface="Estrangelo Edessa"/>
-        <a:font script="Orya" typeface="Kalinga"/>
-        <a:font script="Mlym" typeface="Kartika"/>
-        <a:font script="Laoo" typeface="DokChampa"/>
-        <a:font script="Sinh" typeface="Iskoola Pota"/>
-        <a:font script="Mong" typeface="Mongolian Baiti"/>
-        <a:font script="Viet" typeface="Arial"/>
-        <a:font script="Uigh" typeface="Microsoft Uighur"/>
-        <a:font script="Geor" typeface="Sylfaen"/>
-      </a:minorFont>
-    </a:fontScheme>
-    <a:fmtScheme name="Office">
-      <a:fillStyleLst>
-        <a:solidFill>
-          <a:schemeClr val="phClr"/>
-        </a:solidFill>
-        <a:gradFill rotWithShape="1">
-          <a:gsLst>
-            <a:gs pos="0">
-              <a:schemeClr val="phClr">
-                <a:tint val="50000"/>
-                <a:satMod val="300000"/>
-              </a:schemeClr>
-            </a:gs>
-            <a:gs pos="35000">
-              <a:schemeClr val="phClr">
-                <a:tint val="37000"/>
-                <a:satMod val="300000"/>
-              </a:schemeClr>
-            </a:gs>
-            <a:gs pos="100000">
-              <a:schemeClr val="phClr">
-                <a:tint val="15000"/>
-                <a:satMod val="350000"/>
-              </a:schemeClr>
-            </a:gs>
-          </a:gsLst>
-          <a:lin ang="16200000" scaled="1"/>
-        </a:gradFill>
-        <a:gradFill rotWithShape="1">
-          <a:gsLst>
-            <a:gs pos="0">
-              <a:schemeClr val="phClr">
-                <a:tint val="100000"/>
-                <a:shade val="100000"/>
-                <a:satMod val="130000"/>
-              </a:schemeClr>
-            </a:gs>
-            <a:gs pos="100000">
-              <a:schemeClr val="phClr">
-                <a:tint val="50000"/>
-                <a:shade val="100000"/>
-                <a:satMod val="350000"/>
-              </a:schemeClr>
-            </a:gs>
-          </a:gsLst>
-          <a:lin ang="16200000" scaled="0"/>
-        </a:gradFill>
-      </a:fillStyleLst>
-      <a:lnStyleLst>
-        <a:ln w="9525" cap="flat" cmpd="sng" algn="ctr">
-          <a:solidFill>
-            <a:schemeClr val="phClr">
-              <a:shade val="95000"/>
-              <a:satMod val="105000"/>
-            </a:schemeClr>
-          </a:solidFill>
-          <a:prstDash val="solid"/>
-        </a:ln>
-        <a:ln w="25400" cap="flat" cmpd="sng" algn="ctr">
-          <a:solidFill>
-            <a:schemeClr val="phClr"/>
-          </a:solidFill>
-          <a:prstDash val="solid"/>
-        </a:ln>
-        <a:ln w="38100" cap="flat" cmpd="sng" algn="ctr">
-          <a:solidFill>
-            <a:schemeClr val="phClr"/>
-          </a:solidFill>
-          <a:prstDash val="solid"/>
-        </a:ln>
-      </a:lnStyleLst>
-      <a:effectStyleLst>
-        <a:effectStyle>
-          <a:effectLst>
-            <a:outerShdw blurRad="40000" dist="20000" dir="5400000" rotWithShape="0">
-              <a:srgbClr val="000000">
-                <a:alpha val="38000"/>
-              </a:srgbClr>
-            </a:outerShdw>
-          </a:effectLst>
-        </a:effectStyle>
-        <a:effectStyle>
-          <a:effectLst>
-            <a:outerShdw blurRad="40000" dist="23000" dir="5400000" rotWithShape="0">
-              <a:srgbClr val="000000">
-                <a:alpha val="35000"/>
-              </a:srgbClr>
-            </a:outerShdw>
-          </a:effectLst>
-        </a:effectStyle>
-        <a:effectStyle>
-          <a:effectLst>
-            <a:outerShdw blurRad="40000" dist="23000" dir="5400000" rotWithShape="0">
-              <a:srgbClr val="000000">
-                <a:alpha val="35000"/>
-              </a:srgbClr>
-            </a:outerShdw>
-          </a:effectLst>
-          <a:scene3d>
-            <a:camera prst="orthographicFront">
-              <a:rot lat="0" lon="0" rev="0"/>
-            </a:camera>
-            <a:lightRig rig="threePt" dir="t">
-              <a:rot lat="0" lon="0" rev="1200000"/>
-            </a:lightRig>
-          </a:scene3d>
-          <a:sp3d>
-            <a:bevelT w="63500" h="25400"/>
-          </a:sp3d>
-        </a:effectStyle>
-      </a:effectStyleLst>
-      <a:bgFillStyleLst>
-        <a:solidFill>
-          <a:schemeClr val="phClr"/>
-        </a:solidFill>
-        <a:gradFill rotWithShape="1">
-          <a:gsLst>
-            <a:gs pos="0">
-              <a:schemeClr val="phClr">
-                <a:tint val="40000"/>
-                <a:satMod val="350000"/>
-              </a:schemeClr>
-            </a:gs>
-            <a:gs pos="40000">
-              <a:schemeClr val="phClr">
-                <a:tint val="45000"/>
-                <a:shade val="99000"/>
-                <a:satMod val="350000"/>
-              </a:schemeClr>
-            </a:gs>
-            <a:gs pos="100000">
-              <a:schemeClr val="phClr">
-                <a:shade val="20000"/>
-                <a:satMod val="255000"/>
-              </a:schemeClr>
-            </a:gs>
-          </a:gsLst>
-          <a:path path="circle">
-            <a:fillToRect l="50000" t="-80000" r="50000" b="180000"/>
-          </a:path>
-        </a:gradFill>
-        <a:gradFill rotWithShape="1">
-          <a:gsLst>
-            <a:gs pos="0">
-              <a:schemeClr val="phClr">
-                <a:tint val="80000"/>
-                <a:satMod val="300000"/>
-              </a:schemeClr>
-            </a:gs>
-            <a:gs pos="100000">
-              <a:schemeClr val="phClr">
-                <a:shade val="30000"/>
-                <a:satMod val="200000"/>
-              </a:schemeClr>
-            </a:gs>
-          </a:gsLst>
-          <a:path path="circle">
-            <a:fillToRect l="50000" t="50000" r="50000" b="50000"/>
-          </a:path>
-        </a:gradFill>
-      </a:bgFillStyleLst>
-    </a:fmtScheme>
-  </a:themeElements>
-</a:theme>
 </file>
--- a/Week 24 Red vs Blue/Incident-Response_Group presentation.pptx
+++ b/Week 24 Red vs Blue/Incident-Response_Group presentation.pptx
@@ -13888,6 +13888,285 @@
 </file>
 
 <file path=ppt/theme/theme1.xml><?xml version="1.0" encoding="utf-8"?>
+<a:theme xmlns:a="http://schemas.openxmlformats.org/drawingml/2006/main" xmlns:r="http://schemas.openxmlformats.org/officeDocument/2006/relationships">
+  <a:themeElements>
+    <a:clrScheme name="Default">
+      <a:dk1>
+        <a:srgbClr val="000000"/>
+      </a:dk1>
+      <a:lt1>
+        <a:srgbClr val="FFFFFF"/>
+      </a:lt1>
+      <a:dk2>
+        <a:srgbClr val="158158"/>
+      </a:dk2>
+      <a:lt2>
+        <a:srgbClr val="F3F3F3"/>
+      </a:lt2>
+      <a:accent1>
+        <a:srgbClr val="058DC7"/>
+      </a:accent1>
+      <a:accent2>
+        <a:srgbClr val="50B432"/>
+      </a:accent2>
+      <a:accent3>
+        <a:srgbClr val="ED561B"/>
+      </a:accent3>
+      <a:accent4>
+        <a:srgbClr val="EDEF00"/>
+      </a:accent4>
+      <a:accent5>
+        <a:srgbClr val="24CBE5"/>
+      </a:accent5>
+      <a:accent6>
+        <a:srgbClr val="64E572"/>
+      </a:accent6>
+      <a:hlink>
+        <a:srgbClr val="2200CC"/>
+      </a:hlink>
+      <a:folHlink>
+        <a:srgbClr val="551A8B"/>
+      </a:folHlink>
+    </a:clrScheme>
+    <a:fontScheme name="Office">
+      <a:majorFont>
+        <a:latin typeface="Arial"/>
+        <a:ea typeface=""/>
+        <a:cs typeface=""/>
+        <a:font script="Jpan" typeface="ＭＳ Ｐゴシック"/>
+        <a:font script="Hang" typeface="맑은 고딕"/>
+        <a:font script="Hans" typeface="宋体"/>
+        <a:font script="Hant" typeface="新細明體"/>
+        <a:font script="Arab" typeface="Times New Roman"/>
+        <a:font script="Hebr" typeface="Times New Roman"/>
+        <a:font script="Thai" typeface="Angsana New"/>
+        <a:font script="Ethi" typeface="Nyala"/>
+        <a:font script="Beng" typeface="Vrinda"/>
+        <a:font script="Gujr" typeface="Shruti"/>
+        <a:font script="Khmr" typeface="MoolBoran"/>
+        <a:font script="Knda" typeface="Tunga"/>
+        <a:font script="Guru" typeface="Raavi"/>
+        <a:font script="Cans" typeface="Euphemia"/>
+        <a:font script="Cher" typeface="Plantagenet Cherokee"/>
+        <a:font script="Yiii" typeface="Microsoft Yi Baiti"/>
+        <a:font script="Tibt" typeface="Microsoft Himalaya"/>
+        <a:font script="Thaa" typeface="MV Boli"/>
+        <a:font script="Deva" typeface="Mangal"/>
+        <a:font script="Telu" typeface="Gautami"/>
+        <a:font script="Taml" typeface="Latha"/>
+        <a:font script="Syrc" typeface="Estrangelo Edessa"/>
+        <a:font script="Orya" typeface="Kalinga"/>
+        <a:font script="Mlym" typeface="Kartika"/>
+        <a:font script="Laoo" typeface="DokChampa"/>
+        <a:font script="Sinh" typeface="Iskoola Pota"/>
+        <a:font script="Mong" typeface="Mongolian Baiti"/>
+        <a:font script="Viet" typeface="Times New Roman"/>
+        <a:font script="Uigh" typeface="Microsoft Uighur"/>
+        <a:font script="Geor" typeface="Sylfaen"/>
+      </a:majorFont>
+      <a:minorFont>
+        <a:latin typeface="Arial"/>
+        <a:ea typeface=""/>
+        <a:cs typeface=""/>
+        <a:font script="Jpan" typeface="ＭＳ Ｐゴシック"/>
+        <a:font script="Hang" typeface="맑은 고딕"/>
+        <a:font script="Hans" typeface="宋体"/>
+        <a:font script="Hant" typeface="新細明體"/>
+        <a:font script="Arab" typeface="Arial"/>
+        <a:font script="Hebr" typeface="Arial"/>
+        <a:font script="Thai" typeface="Cordia New"/>
+        <a:font script="Ethi" typeface="Nyala"/>
+        <a:font script="Beng" typeface="Vrinda"/>
+        <a:font script="Gujr" typeface="Shruti"/>
+        <a:font script="Khmr" typeface="DaunPenh"/>
+        <a:font script="Knda" typeface="Tunga"/>
+        <a:font script="Guru" typeface="Raavi"/>
+        <a:font script="Cans" typeface="Euphemia"/>
+        <a:font script="Cher" typeface="Plantagenet Cherokee"/>
+        <a:font script="Yiii" typeface="Microsoft Yi Baiti"/>
+        <a:font script="Tibt" typeface="Microsoft Himalaya"/>
+        <a:font script="Thaa" typeface="MV Boli"/>
+        <a:font script="Deva" typeface="Mangal"/>
+        <a:font script="Telu" typeface="Gautami"/>
+        <a:font script="Taml" typeface="Latha"/>
+        <a:font script="Syrc" typeface="Estrangelo Edessa"/>
+        <a:font script="Orya" typeface="Kalinga"/>
+        <a:font script="Mlym" typeface="Kartika"/>
+        <a:font script="Laoo" typeface="DokChampa"/>
+        <a:font script="Sinh" typeface="Iskoola Pota"/>
+        <a:font script="Mong" typeface="Mongolian Baiti"/>
+        <a:font script="Viet" typeface="Arial"/>
+        <a:font script="Uigh" typeface="Microsoft Uighur"/>
+        <a:font script="Geor" typeface="Sylfaen"/>
+      </a:minorFont>
+    </a:fontScheme>
+    <a:fmtScheme name="Office">
+      <a:fillStyleLst>
+        <a:solidFill>
+          <a:schemeClr val="phClr"/>
+        </a:solidFill>
+        <a:gradFill rotWithShape="1">
+          <a:gsLst>
+            <a:gs pos="0">
+              <a:schemeClr val="phClr">
+                <a:tint val="50000"/>
+                <a:satMod val="300000"/>
+              </a:schemeClr>
+            </a:gs>
+            <a:gs pos="35000">
+              <a:schemeClr val="phClr">
+                <a:tint val="37000"/>
+                <a:satMod val="300000"/>
+              </a:schemeClr>
+            </a:gs>
+            <a:gs pos="100000">
+              <a:schemeClr val="phClr">
+                <a:tint val="15000"/>
+                <a:satMod val="350000"/>
+              </a:schemeClr>
+            </a:gs>
+          </a:gsLst>
+          <a:lin ang="16200000" scaled="1"/>
+        </a:gradFill>
+        <a:gradFill rotWithShape="1">
+          <a:gsLst>
+            <a:gs pos="0">
+              <a:schemeClr val="phClr">
+                <a:tint val="100000"/>
+                <a:shade val="100000"/>
+                <a:satMod val="130000"/>
+              </a:schemeClr>
+            </a:gs>
+            <a:gs pos="100000">
+              <a:schemeClr val="phClr">
+                <a:tint val="50000"/>
+                <a:shade val="100000"/>
+                <a:satMod val="350000"/>
+              </a:schemeClr>
+            </a:gs>
+          </a:gsLst>
+          <a:lin ang="16200000" scaled="0"/>
+        </a:gradFill>
+      </a:fillStyleLst>
+      <a:lnStyleLst>
+        <a:ln w="9525" cap="flat" cmpd="sng" algn="ctr">
+          <a:solidFill>
+            <a:schemeClr val="phClr">
+              <a:shade val="95000"/>
+              <a:satMod val="105000"/>
+            </a:schemeClr>
+          </a:solidFill>
+          <a:prstDash val="solid"/>
+        </a:ln>
+        <a:ln w="25400" cap="flat" cmpd="sng" algn="ctr">
+          <a:solidFill>
+            <a:schemeClr val="phClr"/>
+          </a:solidFill>
+          <a:prstDash val="solid"/>
+        </a:ln>
+        <a:ln w="38100" cap="flat" cmpd="sng" algn="ctr">
+          <a:solidFill>
+            <a:schemeClr val="phClr"/>
+          </a:solidFill>
+          <a:prstDash val="solid"/>
+        </a:ln>
+      </a:lnStyleLst>
+      <a:effectStyleLst>
+        <a:effectStyle>
+          <a:effectLst>
+            <a:outerShdw blurRad="40000" dist="20000" dir="5400000" rotWithShape="0">
+              <a:srgbClr val="000000">
+                <a:alpha val="38000"/>
+              </a:srgbClr>
+            </a:outerShdw>
+          </a:effectLst>
+        </a:effectStyle>
+        <a:effectStyle>
+          <a:effectLst>
+            <a:outerShdw blurRad="40000" dist="23000" dir="5400000" rotWithShape="0">
+              <a:srgbClr val="000000">
+                <a:alpha val="35000"/>
+              </a:srgbClr>
+            </a:outerShdw>
+          </a:effectLst>
+        </a:effectStyle>
+        <a:effectStyle>
+          <a:effectLst>
+            <a:outerShdw blurRad="40000" dist="23000" dir="5400000" rotWithShape="0">
+              <a:srgbClr val="000000">
+                <a:alpha val="35000"/>
+              </a:srgbClr>
+            </a:outerShdw>
+          </a:effectLst>
+          <a:scene3d>
+            <a:camera prst="orthographicFront">
+              <a:rot lat="0" lon="0" rev="0"/>
+            </a:camera>
+            <a:lightRig rig="threePt" dir="t">
+              <a:rot lat="0" lon="0" rev="1200000"/>
+            </a:lightRig>
+          </a:scene3d>
+          <a:sp3d>
+            <a:bevelT w="63500" h="25400"/>
+          </a:sp3d>
+        </a:effectStyle>
+      </a:effectStyleLst>
+      <a:bgFillStyleLst>
+        <a:solidFill>
+          <a:schemeClr val="phClr"/>
+        </a:solidFill>
+        <a:gradFill rotWithShape="1">
+          <a:gsLst>
+            <a:gs pos="0">
+              <a:schemeClr val="phClr">
+                <a:tint val="40000"/>
+                <a:satMod val="350000"/>
+              </a:schemeClr>
+            </a:gs>
+            <a:gs pos="40000">
+              <a:schemeClr val="phClr">
+                <a:tint val="45000"/>
+                <a:shade val="99000"/>
+                <a:satMod val="350000"/>
+              </a:schemeClr>
+            </a:gs>
+            <a:gs pos="100000">
+              <a:schemeClr val="phClr">
+                <a:shade val="20000"/>
+                <a:satMod val="255000"/>
+              </a:schemeClr>
+            </a:gs>
+          </a:gsLst>
+          <a:path path="circle">
+            <a:fillToRect l="50000" t="-80000" r="50000" b="180000"/>
+          </a:path>
+        </a:gradFill>
+        <a:gradFill rotWithShape="1">
+          <a:gsLst>
+            <a:gs pos="0">
+              <a:schemeClr val="phClr">
+                <a:tint val="80000"/>
+                <a:satMod val="300000"/>
+              </a:schemeClr>
+            </a:gs>
+            <a:gs pos="100000">
+              <a:schemeClr val="phClr">
+                <a:shade val="30000"/>
+                <a:satMod val="200000"/>
+              </a:schemeClr>
+            </a:gs>
+          </a:gsLst>
+          <a:path path="circle">
+            <a:fillToRect l="50000" t="50000" r="50000" b="50000"/>
+          </a:path>
+        </a:gradFill>
+      </a:bgFillStyleLst>
+    </a:fmtScheme>
+  </a:themeElements>
+</a:theme>
+</file>
+
+<file path=ppt/theme/theme2.xml><?xml version="1.0" encoding="utf-8"?>
 <a:theme xmlns:a="http://schemas.openxmlformats.org/drawingml/2006/main" xmlns:r="http://schemas.openxmlformats.org/officeDocument/2006/relationships" name="Geometric">
   <a:themeElements>
     <a:clrScheme name="Geometric">
@@ -14164,283 +14443,4 @@
     </a:fmtScheme>
   </a:themeElements>
 </a:theme>
-</file>
-
-<file path=ppt/theme/theme2.xml><?xml version="1.0" encoding="utf-8"?>
-<a:theme xmlns:a="http://schemas.openxmlformats.org/drawingml/2006/main" xmlns:r="http://schemas.openxmlformats.org/officeDocument/2006/relationships">
-  <a:themeElements>
-    <a:clrScheme name="Default">
-      <a:dk1>
-        <a:srgbClr val="000000"/>
-      </a:dk1>
-      <a:lt1>
-        <a:srgbClr val="FFFFFF"/>
-      </a:lt1>
-      <a:dk2>
-        <a:srgbClr val="158158"/>
-      </a:dk2>
-      <a:lt2>
-        <a:srgbClr val="F3F3F3"/>
-      </a:lt2>
-      <a:accent1>
-        <a:srgbClr val="058DC7"/>
-      </a:accent1>
-      <a:accent2>
-        <a:srgbClr val="50B432"/>
-      </a:accent2>
-      <a:accent3>
-        <a:srgbClr val="ED561B"/>
-      </a:accent3>
-      <a:accent4>
-        <a:srgbClr val="EDEF00"/>
-      </a:accent4>
-      <a:accent5>
-        <a:srgbClr val="24CBE5"/>
-      </a:accent5>
-      <a:accent6>
-        <a:srgbClr val="64E572"/>
-      </a:accent6>
-      <a:hlink>
-        <a:srgbClr val="2200CC"/>
-      </a:hlink>
-      <a:folHlink>
-        <a:srgbClr val="551A8B"/>
-      </a:folHlink>
-    </a:clrScheme>
-    <a:fontScheme name="Office">
-      <a:majorFont>
-        <a:latin typeface="Arial"/>
-        <a:ea typeface=""/>
-        <a:cs typeface=""/>
-        <a:font script="Jpan" typeface="ＭＳ Ｐゴシック"/>
-        <a:font script="Hang" typeface="맑은 고딕"/>
-        <a:font script="Hans" typeface="宋体"/>
-        <a:font script="Hant" typeface="新細明體"/>
-        <a:font script="Arab" typeface="Times New Roman"/>
-        <a:font script="Hebr" typeface="Times New Roman"/>
-        <a:font script="Thai" typeface="Angsana New"/>
-        <a:font script="Ethi" typeface="Nyala"/>
-        <a:font script="Beng" typeface="Vrinda"/>
-        <a:font script="Gujr" typeface="Shruti"/>
-        <a:font script="Khmr" typeface="MoolBoran"/>
-        <a:font script="Knda" typeface="Tunga"/>
-        <a:font script="Guru" typeface="Raavi"/>
-        <a:font script="Cans" typeface="Euphemia"/>
-        <a:font script="Cher" typeface="Plantagenet Cherokee"/>
-        <a:font script="Yiii" typeface="Microsoft Yi Baiti"/>
-        <a:font script="Tibt" typeface="Microsoft Himalaya"/>
-        <a:font script="Thaa" typeface="MV Boli"/>
-        <a:font script="Deva" typeface="Mangal"/>
-        <a:font script="Telu" typeface="Gautami"/>
-        <a:font script="Taml" typeface="Latha"/>
-        <a:font script="Syrc" typeface="Estrangelo Edessa"/>
-        <a:font script="Orya" typeface="Kalinga"/>
-        <a:font script="Mlym" typeface="Kartika"/>
-        <a:font script="Laoo" typeface="DokChampa"/>
-        <a:font script="Sinh" typeface="Iskoola Pota"/>
-        <a:font script="Mong" typeface="Mongolian Baiti"/>
-        <a:font script="Viet" typeface="Times New Roman"/>
-        <a:font script="Uigh" typeface="Microsoft Uighur"/>
-        <a:font script="Geor" typeface="Sylfaen"/>
-      </a:majorFont>
-      <a:minorFont>
-        <a:latin typeface="Arial"/>
-        <a:ea typeface=""/>
-        <a:cs typeface=""/>
-        <a:font script="Jpan" typeface="ＭＳ Ｐゴシック"/>
-        <a:font script="Hang" typeface="맑은 고딕"/>
-        <a:font script="Hans" typeface="宋体"/>
-        <a:font script="Hant" typeface="新細明體"/>
-        <a:font script="Arab" typeface="Arial"/>
-        <a:font script="Hebr" typeface="Arial"/>
-        <a:font script="Thai" typeface="Cordia New"/>
-        <a:font script="Ethi" typeface="Nyala"/>
-        <a:font script="Beng" typeface="Vrinda"/>
-        <a:font script="Gujr" typeface="Shruti"/>
-        <a:font script="Khmr" typeface="DaunPenh"/>
-        <a:font script="Knda" typeface="Tunga"/>
-        <a:font script="Guru" typeface="Raavi"/>
-        <a:font script="Cans" typeface="Euphemia"/>
-        <a:font script="Cher" typeface="Plantagenet Cherokee"/>
-        <a:font script="Yiii" typeface="Microsoft Yi Baiti"/>
-        <a:font script="Tibt" typeface="Microsoft Himalaya"/>
-        <a:font script="Thaa" typeface="MV Boli"/>
-        <a:font script="Deva" typeface="Mangal"/>
-        <a:font script="Telu" typeface="Gautami"/>
-        <a:font script="Taml" typeface="Latha"/>
-        <a:font script="Syrc" typeface="Estrangelo Edessa"/>
-        <a:font script="Orya" typeface="Kalinga"/>
-        <a:font script="Mlym" typeface="Kartika"/>
-        <a:font script="Laoo" typeface="DokChampa"/>
-        <a:font script="Sinh" typeface="Iskoola Pota"/>
-        <a:font script="Mong" typeface="Mongolian Baiti"/>
-        <a:font script="Viet" typeface="Arial"/>
-        <a:font script="Uigh" typeface="Microsoft Uighur"/>
-        <a:font script="Geor" typeface="Sylfaen"/>
-      </a:minorFont>
-    </a:fontScheme>
-    <a:fmtScheme name="Office">
-      <a:fillStyleLst>
-        <a:solidFill>
-          <a:schemeClr val="phClr"/>
-        </a:solidFill>
-        <a:gradFill rotWithShape="1">
-          <a:gsLst>
-            <a:gs pos="0">
-              <a:schemeClr val="phClr">
-                <a:tint val="50000"/>
-                <a:satMod val="300000"/>
-              </a:schemeClr>
-            </a:gs>
-            <a:gs pos="35000">
-              <a:schemeClr val="phClr">
-                <a:tint val="37000"/>
-                <a:satMod val="300000"/>
-              </a:schemeClr>
-            </a:gs>
-            <a:gs pos="100000">
-              <a:schemeClr val="phClr">
-                <a:tint val="15000"/>
-                <a:satMod val="350000"/>
-              </a:schemeClr>
-            </a:gs>
-          </a:gsLst>
-          <a:lin ang="16200000" scaled="1"/>
-        </a:gradFill>
-        <a:gradFill rotWithShape="1">
-          <a:gsLst>
-            <a:gs pos="0">
-              <a:schemeClr val="phClr">
-                <a:tint val="100000"/>
-                <a:shade val="100000"/>
-                <a:satMod val="130000"/>
-              </a:schemeClr>
-            </a:gs>
-            <a:gs pos="100000">
-              <a:schemeClr val="phClr">
-                <a:tint val="50000"/>
-                <a:shade val="100000"/>
-                <a:satMod val="350000"/>
-              </a:schemeClr>
-            </a:gs>
-          </a:gsLst>
-          <a:lin ang="16200000" scaled="0"/>
-        </a:gradFill>
-      </a:fillStyleLst>
-      <a:lnStyleLst>
-        <a:ln w="9525" cap="flat" cmpd="sng" algn="ctr">
-          <a:solidFill>
-            <a:schemeClr val="phClr">
-              <a:shade val="95000"/>
-              <a:satMod val="105000"/>
-            </a:schemeClr>
-          </a:solidFill>
-          <a:prstDash val="solid"/>
-        </a:ln>
-        <a:ln w="25400" cap="flat" cmpd="sng" algn="ctr">
-          <a:solidFill>
-            <a:schemeClr val="phClr"/>
-          </a:solidFill>
-          <a:prstDash val="solid"/>
-        </a:ln>
-        <a:ln w="38100" cap="flat" cmpd="sng" algn="ctr">
-          <a:solidFill>
-            <a:schemeClr val="phClr"/>
-          </a:solidFill>
-          <a:prstDash val="solid"/>
-        </a:ln>
-      </a:lnStyleLst>
-      <a:effectStyleLst>
-        <a:effectStyle>
-          <a:effectLst>
-            <a:outerShdw blurRad="40000" dist="20000" dir="5400000" rotWithShape="0">
-              <a:srgbClr val="000000">
-                <a:alpha val="38000"/>
-              </a:srgbClr>
-            </a:outerShdw>
-          </a:effectLst>
-        </a:effectStyle>
-        <a:effectStyle>
-          <a:effectLst>
-            <a:outerShdw blurRad="40000" dist="23000" dir="5400000" rotWithShape="0">
-              <a:srgbClr val="000000">
-                <a:alpha val="35000"/>
-              </a:srgbClr>
-            </a:outerShdw>
-          </a:effectLst>
-        </a:effectStyle>
-        <a:effectStyle>
-          <a:effectLst>
-            <a:outerShdw blurRad="40000" dist="23000" dir="5400000" rotWithShape="0">
-              <a:srgbClr val="000000">
-                <a:alpha val="35000"/>
-              </a:srgbClr>
-            </a:outerShdw>
-          </a:effectLst>
-          <a:scene3d>
-            <a:camera prst="orthographicFront">
-              <a:rot lat="0" lon="0" rev="0"/>
-            </a:camera>
-            <a:lightRig rig="threePt" dir="t">
-              <a:rot lat="0" lon="0" rev="1200000"/>
-            </a:lightRig>
-          </a:scene3d>
-          <a:sp3d>
-            <a:bevelT w="63500" h="25400"/>
-          </a:sp3d>
-        </a:effectStyle>
-      </a:effectStyleLst>
-      <a:bgFillStyleLst>
-        <a:solidFill>
-          <a:schemeClr val="phClr"/>
-        </a:solidFill>
-        <a:gradFill rotWithShape="1">
-          <a:gsLst>
-            <a:gs pos="0">
-              <a:schemeClr val="phClr">
-                <a:tint val="40000"/>
-                <a:satMod val="350000"/>
-              </a:schemeClr>
-            </a:gs>
-            <a:gs pos="40000">
-              <a:schemeClr val="phClr">
-                <a:tint val="45000"/>
-                <a:shade val="99000"/>
-                <a:satMod val="350000"/>
-              </a:schemeClr>
-            </a:gs>
-            <a:gs pos="100000">
-              <a:schemeClr val="phClr">
-                <a:shade val="20000"/>
-                <a:satMod val="255000"/>
-              </a:schemeClr>
-            </a:gs>
-          </a:gsLst>
-          <a:path path="circle">
-            <a:fillToRect l="50000" t="-80000" r="50000" b="180000"/>
-          </a:path>
-        </a:gradFill>
-        <a:gradFill rotWithShape="1">
-          <a:gsLst>
-            <a:gs pos="0">
-              <a:schemeClr val="phClr">
-                <a:tint val="80000"/>
-                <a:satMod val="300000"/>
-              </a:schemeClr>
-            </a:gs>
-            <a:gs pos="100000">
-              <a:schemeClr val="phClr">
-                <a:shade val="30000"/>
-                <a:satMod val="200000"/>
-              </a:schemeClr>
-            </a:gs>
-          </a:gsLst>
-          <a:path path="circle">
-            <a:fillToRect l="50000" t="50000" r="50000" b="50000"/>
-          </a:path>
-        </a:gradFill>
-      </a:bgFillStyleLst>
-    </a:fmtScheme>
-  </a:themeElements>
-</a:theme>
 </file>
--- a/Week 24 Red vs Blue/Incident-Response_Group presentation.pptx
+++ b/Week 24 Red vs Blue/Incident-Response_Group presentation.pptx
@@ -13888,6 +13888,285 @@
 </file>
 
 <file path=ppt/theme/theme1.xml><?xml version="1.0" encoding="utf-8"?>
+<a:theme xmlns:a="http://schemas.openxmlformats.org/drawingml/2006/main" xmlns:r="http://schemas.openxmlformats.org/officeDocument/2006/relationships" name="Geometric">
+  <a:themeElements>
+    <a:clrScheme name="Geometric">
+      <a:dk1>
+        <a:srgbClr val="2A3990"/>
+      </a:dk1>
+      <a:lt1>
+        <a:srgbClr val="FFFFFF"/>
+      </a:lt1>
+      <a:dk2>
+        <a:srgbClr val="434343"/>
+      </a:dk2>
+      <a:lt2>
+        <a:srgbClr val="999999"/>
+      </a:lt2>
+      <a:accent1>
+        <a:srgbClr val="212D74"/>
+      </a:accent1>
+      <a:accent2>
+        <a:srgbClr val="3949AB"/>
+      </a:accent2>
+      <a:accent3>
+        <a:srgbClr val="9C254D"/>
+      </a:accent3>
+      <a:accent4>
+        <a:srgbClr val="D23369"/>
+      </a:accent4>
+      <a:accent5>
+        <a:srgbClr val="F06292"/>
+      </a:accent5>
+      <a:accent6>
+        <a:srgbClr val="7890CD"/>
+      </a:accent6>
+      <a:hlink>
+        <a:srgbClr val="F06292"/>
+      </a:hlink>
+      <a:folHlink>
+        <a:srgbClr val="F06292"/>
+      </a:folHlink>
+    </a:clrScheme>
+    <a:fontScheme name="Office">
+      <a:majorFont>
+        <a:latin typeface="Arial"/>
+        <a:ea typeface=""/>
+        <a:cs typeface=""/>
+        <a:font script="Jpan" typeface="ＭＳ Ｐゴシック"/>
+        <a:font script="Hang" typeface="맑은 고딕"/>
+        <a:font script="Hans" typeface="宋体"/>
+        <a:font script="Hant" typeface="新細明體"/>
+        <a:font script="Arab" typeface="Times New Roman"/>
+        <a:font script="Hebr" typeface="Times New Roman"/>
+        <a:font script="Thai" typeface="Angsana New"/>
+        <a:font script="Ethi" typeface="Nyala"/>
+        <a:font script="Beng" typeface="Vrinda"/>
+        <a:font script="Gujr" typeface="Shruti"/>
+        <a:font script="Khmr" typeface="MoolBoran"/>
+        <a:font script="Knda" typeface="Tunga"/>
+        <a:font script="Guru" typeface="Raavi"/>
+        <a:font script="Cans" typeface="Euphemia"/>
+        <a:font script="Cher" typeface="Plantagenet Cherokee"/>
+        <a:font script="Yiii" typeface="Microsoft Yi Baiti"/>
+        <a:font script="Tibt" typeface="Microsoft Himalaya"/>
+        <a:font script="Thaa" typeface="MV Boli"/>
+        <a:font script="Deva" typeface="Mangal"/>
+        <a:font script="Telu" typeface="Gautami"/>
+        <a:font script="Taml" typeface="Latha"/>
+        <a:font script="Syrc" typeface="Estrangelo Edessa"/>
+        <a:font script="Orya" typeface="Kalinga"/>
+        <a:font script="Mlym" typeface="Kartika"/>
+        <a:font script="Laoo" typeface="DokChampa"/>
+        <a:font script="Sinh" typeface="Iskoola Pota"/>
+        <a:font script="Mong" typeface="Mongolian Baiti"/>
+        <a:font script="Viet" typeface="Times New Roman"/>
+        <a:font script="Uigh" typeface="Microsoft Uighur"/>
+        <a:font script="Geor" typeface="Sylfaen"/>
+      </a:majorFont>
+      <a:minorFont>
+        <a:latin typeface="Arial"/>
+        <a:ea typeface=""/>
+        <a:cs typeface=""/>
+        <a:font script="Jpan" typeface="ＭＳ Ｐゴシック"/>
+        <a:font script="Hang" typeface="맑은 고딕"/>
+        <a:font script="Hans" typeface="宋体"/>
+        <a:font script="Hant" typeface="新細明體"/>
+        <a:font script="Arab" typeface="Arial"/>
+        <a:font script="Hebr" typeface="Arial"/>
+        <a:font script="Thai" typeface="Cordia New"/>
+        <a:font script="Ethi" typeface="Nyala"/>
+        <a:font script="Beng" typeface="Vrinda"/>
+        <a:font script="Gujr" typeface="Shruti"/>
+        <a:font script="Khmr" typeface="DaunPenh"/>
+        <a:font script="Knda" typeface="Tunga"/>
+        <a:font script="Guru" typeface="Raavi"/>
+        <a:font script="Cans" typeface="Euphemia"/>
+        <a:font script="Cher" typeface="Plantagenet Cherokee"/>
+        <a:font script="Yiii" typeface="Microsoft Yi Baiti"/>
+        <a:font script="Tibt" typeface="Microsoft Himalaya"/>
+        <a:font script="Thaa" typeface="MV Boli"/>
+        <a:font script="Deva" typeface="Mangal"/>
+        <a:font script="Telu" typeface="Gautami"/>
+        <a:font script="Taml" typeface="Latha"/>
+        <a:font script="Syrc" typeface="Estrangelo Edessa"/>
+        <a:font script="Orya" typeface="Kalinga"/>
+        <a:font script="Mlym" typeface="Kartika"/>
+        <a:font script="Laoo" typeface="DokChampa"/>
+        <a:font script="Sinh" typeface="Iskoola Pota"/>
+        <a:font script="Mong" typeface="Mongolian Baiti"/>
+        <a:font script="Viet" typeface="Arial"/>
+        <a:font script="Uigh" typeface="Microsoft Uighur"/>
+        <a:font script="Geor" typeface="Sylfaen"/>
+      </a:minorFont>
+    </a:fontScheme>
+    <a:fmtScheme name="Office">
+      <a:fillStyleLst>
+        <a:solidFill>
+          <a:schemeClr val="phClr"/>
+        </a:solidFill>
+        <a:gradFill rotWithShape="1">
+          <a:gsLst>
+            <a:gs pos="0">
+              <a:schemeClr val="phClr">
+                <a:tint val="50000"/>
+                <a:satMod val="300000"/>
+              </a:schemeClr>
+            </a:gs>
+            <a:gs pos="35000">
+              <a:schemeClr val="phClr">
+                <a:tint val="37000"/>
+                <a:satMod val="300000"/>
+              </a:schemeClr>
+            </a:gs>
+            <a:gs pos="100000">
+              <a:schemeClr val="phClr">
+                <a:tint val="15000"/>
+                <a:satMod val="350000"/>
+              </a:schemeClr>
+            </a:gs>
+          </a:gsLst>
+          <a:lin ang="16200000" scaled="1"/>
+        </a:gradFill>
+        <a:gradFill rotWithShape="1">
+          <a:gsLst>
+            <a:gs pos="0">
+              <a:schemeClr val="phClr">
+                <a:tint val="100000"/>
+                <a:shade val="100000"/>
+                <a:satMod val="130000"/>
+              </a:schemeClr>
+            </a:gs>
+            <a:gs pos="100000">
+              <a:schemeClr val="phClr">
+                <a:tint val="50000"/>
+                <a:shade val="100000"/>
+                <a:satMod val="350000"/>
+              </a:schemeClr>
+            </a:gs>
+          </a:gsLst>
+          <a:lin ang="16200000" scaled="0"/>
+        </a:gradFill>
+      </a:fillStyleLst>
+      <a:lnStyleLst>
+        <a:ln w="9525" cap="flat" cmpd="sng" algn="ctr">
+          <a:solidFill>
+            <a:schemeClr val="phClr">
+              <a:shade val="95000"/>
+              <a:satMod val="105000"/>
+            </a:schemeClr>
+          </a:solidFill>
+          <a:prstDash val="solid"/>
+        </a:ln>
+        <a:ln w="25400" cap="flat" cmpd="sng" algn="ctr">
+          <a:solidFill>
+            <a:schemeClr val="phClr"/>
+          </a:solidFill>
+          <a:prstDash val="solid"/>
+        </a:ln>
+        <a:ln w="38100" cap="flat" cmpd="sng" algn="ctr">
+          <a:solidFill>
+            <a:schemeClr val="phClr"/>
+          </a:solidFill>
+          <a:prstDash val="solid"/>
+        </a:ln>
+      </a:lnStyleLst>
+      <a:effectStyleLst>
+        <a:effectStyle>
+          <a:effectLst>
+            <a:outerShdw blurRad="40000" dist="20000" dir="5400000" rotWithShape="0">
+              <a:srgbClr val="000000">
+                <a:alpha val="38000"/>
+              </a:srgbClr>
+            </a:outerShdw>
+          </a:effectLst>
+        </a:effectStyle>
+        <a:effectStyle>
+          <a:effectLst>
+            <a:outerShdw blurRad="40000" dist="23000" dir="5400000" rotWithShape="0">
+              <a:srgbClr val="000000">
+                <a:alpha val="35000"/>
+              </a:srgbClr>
+            </a:outerShdw>
+          </a:effectLst>
+        </a:effectStyle>
+        <a:effectStyle>
+          <a:effectLst>
+            <a:outerShdw blurRad="40000" dist="23000" dir="5400000" rotWithShape="0">
+              <a:srgbClr val="000000">
+                <a:alpha val="35000"/>
+              </a:srgbClr>
+            </a:outerShdw>
+          </a:effectLst>
+          <a:scene3d>
+            <a:camera prst="orthographicFront">
+              <a:rot lat="0" lon="0" rev="0"/>
+            </a:camera>
+            <a:lightRig rig="threePt" dir="t">
+              <a:rot lat="0" lon="0" rev="1200000"/>
+            </a:lightRig>
+          </a:scene3d>
+          <a:sp3d>
+            <a:bevelT w="63500" h="25400"/>
+          </a:sp3d>
+        </a:effectStyle>
+      </a:effectStyleLst>
+      <a:bgFillStyleLst>
+        <a:solidFill>
+          <a:schemeClr val="phClr"/>
+        </a:solidFill>
+        <a:gradFill rotWithShape="1">
+          <a:gsLst>
+            <a:gs pos="0">
+              <a:schemeClr val="phClr">
+                <a:tint val="40000"/>
+                <a:satMod val="350000"/>
+              </a:schemeClr>
+            </a:gs>
+            <a:gs pos="40000">
+              <a:schemeClr val="phClr">
+                <a:tint val="45000"/>
+                <a:shade val="99000"/>
+                <a:satMod val="350000"/>
+              </a:schemeClr>
+            </a:gs>
+            <a:gs pos="100000">
+              <a:schemeClr val="phClr">
+                <a:shade val="20000"/>
+                <a:satMod val="255000"/>
+              </a:schemeClr>
+            </a:gs>
+          </a:gsLst>
+          <a:path path="circle">
+            <a:fillToRect l="50000" t="-80000" r="50000" b="180000"/>
+          </a:path>
+        </a:gradFill>
+        <a:gradFill rotWithShape="1">
+          <a:gsLst>
+            <a:gs pos="0">
+              <a:schemeClr val="phClr">
+                <a:tint val="80000"/>
+                <a:satMod val="300000"/>
+              </a:schemeClr>
+            </a:gs>
+            <a:gs pos="100000">
+              <a:schemeClr val="phClr">
+                <a:shade val="30000"/>
+                <a:satMod val="200000"/>
+              </a:schemeClr>
+            </a:gs>
+          </a:gsLst>
+          <a:path path="circle">
+            <a:fillToRect l="50000" t="50000" r="50000" b="50000"/>
+          </a:path>
+        </a:gradFill>
+      </a:bgFillStyleLst>
+    </a:fmtScheme>
+  </a:themeElements>
+</a:theme>
+</file>
+
+<file path=ppt/theme/theme2.xml><?xml version="1.0" encoding="utf-8"?>
 <a:theme xmlns:a="http://schemas.openxmlformats.org/drawingml/2006/main" xmlns:r="http://schemas.openxmlformats.org/officeDocument/2006/relationships">
   <a:themeElements>
     <a:clrScheme name="Default">
@@ -14164,283 +14443,4 @@
     </a:fmtScheme>
   </a:themeElements>
 </a:theme>
-</file>
-
-<file path=ppt/theme/theme2.xml><?xml version="1.0" encoding="utf-8"?>
-<a:theme xmlns:a="http://schemas.openxmlformats.org/drawingml/2006/main" xmlns:r="http://schemas.openxmlformats.org/officeDocument/2006/relationships" name="Geometric">
-  <a:themeElements>
-    <a:clrScheme name="Geometric">
-      <a:dk1>
-        <a:srgbClr val="2A3990"/>
-      </a:dk1>
-      <a:lt1>
-        <a:srgbClr val="FFFFFF"/>
-      </a:lt1>
-      <a:dk2>
-        <a:srgbClr val="434343"/>
-      </a:dk2>
-      <a:lt2>
-        <a:srgbClr val="999999"/>
-      </a:lt2>
-      <a:accent1>
-        <a:srgbClr val="212D74"/>
-      </a:accent1>
-      <a:accent2>
-        <a:srgbClr val="3949AB"/>
-      </a:accent2>
-      <a:accent3>
-        <a:srgbClr val="9C254D"/>
-      </a:accent3>
-      <a:accent4>
-        <a:srgbClr val="D23369"/>
-      </a:accent4>
-      <a:accent5>
-        <a:srgbClr val="F06292"/>
-      </a:accent5>
-      <a:accent6>
-        <a:srgbClr val="7890CD"/>
-      </a:accent6>
-      <a:hlink>
-        <a:srgbClr val="F06292"/>
-      </a:hlink>
-      <a:folHlink>
-        <a:srgbClr val="F06292"/>
-      </a:folHlink>
-    </a:clrScheme>
-    <a:fontScheme name="Office">
-      <a:majorFont>
-        <a:latin typeface="Arial"/>
-        <a:ea typeface=""/>
-        <a:cs typeface=""/>
-        <a:font script="Jpan" typeface="ＭＳ Ｐゴシック"/>
-        <a:font script="Hang" typeface="맑은 고딕"/>
-        <a:font script="Hans" typeface="宋体"/>
-        <a:font script="Hant" typeface="新細明體"/>
-        <a:font script="Arab" typeface="Times New Roman"/>
-        <a:font script="Hebr" typeface="Times New Roman"/>
-        <a:font script="Thai" typeface="Angsana New"/>
-        <a:font script="Ethi" typeface="Nyala"/>
-        <a:font script="Beng" typeface="Vrinda"/>
-        <a:font script="Gujr" typeface="Shruti"/>
-        <a:font script="Khmr" typeface="MoolBoran"/>
-        <a:font script="Knda" typeface="Tunga"/>
-        <a:font script="Guru" typeface="Raavi"/>
-        <a:font script="Cans" typeface="Euphemia"/>
-        <a:font script="Cher" typeface="Plantagenet Cherokee"/>
-        <a:font script="Yiii" typeface="Microsoft Yi Baiti"/>
-        <a:font script="Tibt" typeface="Microsoft Himalaya"/>
-        <a:font script="Thaa" typeface="MV Boli"/>
-        <a:font script="Deva" typeface="Mangal"/>
-        <a:font script="Telu" typeface="Gautami"/>
-        <a:font script="Taml" typeface="Latha"/>
-        <a:font script="Syrc" typeface="Estrangelo Edessa"/>
-        <a:font script="Orya" typeface="Kalinga"/>
-        <a:font script="Mlym" typeface="Kartika"/>
-        <a:font script="Laoo" typeface="DokChampa"/>
-        <a:font script="Sinh" typeface="Iskoola Pota"/>
-        <a:font script="Mong" typeface="Mongolian Baiti"/>
-        <a:font script="Viet" typeface="Times New Roman"/>
-        <a:font script="Uigh" typeface="Microsoft Uighur"/>
-        <a:font script="Geor" typeface="Sylfaen"/>
-      </a:majorFont>
-      <a:minorFont>
-        <a:latin typeface="Arial"/>
-        <a:ea typeface=""/>
-        <a:cs typeface=""/>
-        <a:font script="Jpan" typeface="ＭＳ Ｐゴシック"/>
-        <a:font script="Hang" typeface="맑은 고딕"/>
-        <a:font script="Hans" typeface="宋体"/>
-        <a:font script="Hant" typeface="新細明體"/>
-        <a:font script="Arab" typeface="Arial"/>
-        <a:font script="Hebr" typeface="Arial"/>
-        <a:font script="Thai" typeface="Cordia New"/>
-        <a:font script="Ethi" typeface="Nyala"/>
-        <a:font script="Beng" typeface="Vrinda"/>
-        <a:font script="Gujr" typeface="Shruti"/>
-        <a:font script="Khmr" typeface="DaunPenh"/>
-        <a:font script="Knda" typeface="Tunga"/>
-        <a:font script="Guru" typeface="Raavi"/>
-        <a:font script="Cans" typeface="Euphemia"/>
-        <a:font script="Cher" typeface="Plantagenet Cherokee"/>
-        <a:font script="Yiii" typeface="Microsoft Yi Baiti"/>
-        <a:font script="Tibt" typeface="Microsoft Himalaya"/>
-        <a:font script="Thaa" typeface="MV Boli"/>
-        <a:font script="Deva" typeface="Mangal"/>
-        <a:font script="Telu" typeface="Gautami"/>
-        <a:font script="Taml" typeface="Latha"/>
-        <a:font script="Syrc" typeface="Estrangelo Edessa"/>
-        <a:font script="Orya" typeface="Kalinga"/>
-        <a:font script="Mlym" typeface="Kartika"/>
-        <a:font script="Laoo" typeface="DokChampa"/>
-        <a:font script="Sinh" typeface="Iskoola Pota"/>
-        <a:font script="Mong" typeface="Mongolian Baiti"/>
-        <a:font script="Viet" typeface="Arial"/>
-        <a:font script="Uigh" typeface="Microsoft Uighur"/>
-        <a:font script="Geor" typeface="Sylfaen"/>
-      </a:minorFont>
-    </a:fontScheme>
-    <a:fmtScheme name="Office">
-      <a:fillStyleLst>
-        <a:solidFill>
-          <a:schemeClr val="phClr"/>
-        </a:solidFill>
-        <a:gradFill rotWithShape="1">
-          <a:gsLst>
-            <a:gs pos="0">
-              <a:schemeClr val="phClr">
-                <a:tint val="50000"/>
-                <a:satMod val="300000"/>
-              </a:schemeClr>
-            </a:gs>
-            <a:gs pos="35000">
-              <a:schemeClr val="phClr">
-                <a:tint val="37000"/>
-                <a:satMod val="300000"/>
-              </a:schemeClr>
-            </a:gs>
-            <a:gs pos="100000">
-              <a:schemeClr val="phClr">
-                <a:tint val="15000"/>
-                <a:satMod val="350000"/>
-              </a:schemeClr>
-            </a:gs>
-          </a:gsLst>
-          <a:lin ang="16200000" scaled="1"/>
-        </a:gradFill>
-        <a:gradFill rotWithShape="1">
-          <a:gsLst>
-            <a:gs pos="0">
-              <a:schemeClr val="phClr">
-                <a:tint val="100000"/>
-                <a:shade val="100000"/>
-                <a:satMod val="130000"/>
-              </a:schemeClr>
-            </a:gs>
-            <a:gs pos="100000">
-              <a:schemeClr val="phClr">
-                <a:tint val="50000"/>
-                <a:shade val="100000"/>
-                <a:satMod val="350000"/>
-              </a:schemeClr>
-            </a:gs>
-          </a:gsLst>
-          <a:lin ang="16200000" scaled="0"/>
-        </a:gradFill>
-      </a:fillStyleLst>
-      <a:lnStyleLst>
-        <a:ln w="9525" cap="flat" cmpd="sng" algn="ctr">
-          <a:solidFill>
-            <a:schemeClr val="phClr">
-              <a:shade val="95000"/>
-              <a:satMod val="105000"/>
-            </a:schemeClr>
-          </a:solidFill>
-          <a:prstDash val="solid"/>
-        </a:ln>
-        <a:ln w="25400" cap="flat" cmpd="sng" algn="ctr">
-          <a:solidFill>
-            <a:schemeClr val="phClr"/>
-          </a:solidFill>
-          <a:prstDash val="solid"/>
-        </a:ln>
-        <a:ln w="38100" cap="flat" cmpd="sng" algn="ctr">
-          <a:solidFill>
-            <a:schemeClr val="phClr"/>
-          </a:solidFill>
-          <a:prstDash val="solid"/>
-        </a:ln>
-      </a:lnStyleLst>
-      <a:effectStyleLst>
-        <a:effectStyle>
-          <a:effectLst>
-            <a:outerShdw blurRad="40000" dist="20000" dir="5400000" rotWithShape="0">
-              <a:srgbClr val="000000">
-                <a:alpha val="38000"/>
-              </a:srgbClr>
-            </a:outerShdw>
-          </a:effectLst>
-        </a:effectStyle>
-        <a:effectStyle>
-          <a:effectLst>
-            <a:outerShdw blurRad="40000" dist="23000" dir="5400000" rotWithShape="0">
-              <a:srgbClr val="000000">
-                <a:alpha val="35000"/>
-              </a:srgbClr>
-            </a:outerShdw>
-          </a:effectLst>
-        </a:effectStyle>
-        <a:effectStyle>
-          <a:effectLst>
-            <a:outerShdw blurRad="40000" dist="23000" dir="5400000" rotWithShape="0">
-              <a:srgbClr val="000000">
-                <a:alpha val="35000"/>
-              </a:srgbClr>
-            </a:outerShdw>
-          </a:effectLst>
-          <a:scene3d>
-            <a:camera prst="orthographicFront">
-              <a:rot lat="0" lon="0" rev="0"/>
-            </a:camera>
-            <a:lightRig rig="threePt" dir="t">
-              <a:rot lat="0" lon="0" rev="1200000"/>
-            </a:lightRig>
-          </a:scene3d>
-          <a:sp3d>
-            <a:bevelT w="63500" h="25400"/>
-          </a:sp3d>
-        </a:effectStyle>
-      </a:effectStyleLst>
-      <a:bgFillStyleLst>
-        <a:solidFill>
-          <a:schemeClr val="phClr"/>
-        </a:solidFill>
-        <a:gradFill rotWithShape="1">
-          <a:gsLst>
-            <a:gs pos="0">
-              <a:schemeClr val="phClr">
-                <a:tint val="40000"/>
-                <a:satMod val="350000"/>
-              </a:schemeClr>
-            </a:gs>
-            <a:gs pos="40000">
-              <a:schemeClr val="phClr">
-                <a:tint val="45000"/>
-                <a:shade val="99000"/>
-                <a:satMod val="350000"/>
-              </a:schemeClr>
-            </a:gs>
-            <a:gs pos="100000">
-              <a:schemeClr val="phClr">
-                <a:shade val="20000"/>
-                <a:satMod val="255000"/>
-              </a:schemeClr>
-            </a:gs>
-          </a:gsLst>
-          <a:path path="circle">
-            <a:fillToRect l="50000" t="-80000" r="50000" b="180000"/>
-          </a:path>
-        </a:gradFill>
-        <a:gradFill rotWithShape="1">
-          <a:gsLst>
-            <a:gs pos="0">
-              <a:schemeClr val="phClr">
-                <a:tint val="80000"/>
-                <a:satMod val="300000"/>
-              </a:schemeClr>
-            </a:gs>
-            <a:gs pos="100000">
-              <a:schemeClr val="phClr">
-                <a:shade val="30000"/>
-                <a:satMod val="200000"/>
-              </a:schemeClr>
-            </a:gs>
-          </a:gsLst>
-          <a:path path="circle">
-            <a:fillToRect l="50000" t="50000" r="50000" b="50000"/>
-          </a:path>
-        </a:gradFill>
-      </a:bgFillStyleLst>
-    </a:fmtScheme>
-  </a:themeElements>
-</a:theme>
 </file>